--- a/slides_ykjung.pptx
+++ b/slides_ykjung.pptx
@@ -5,35 +5,34 @@
     <p:sldMasterId id="2147483810" r:id="rId1"/>
   </p:sldMasterIdLst>
   <p:notesMasterIdLst>
-    <p:notesMasterId r:id="rId25"/>
+    <p:notesMasterId r:id="rId24"/>
   </p:notesMasterIdLst>
   <p:handoutMasterIdLst>
-    <p:handoutMasterId r:id="rId26"/>
+    <p:handoutMasterId r:id="rId25"/>
   </p:handoutMasterIdLst>
   <p:sldIdLst>
     <p:sldId id="256" r:id="rId2"/>
     <p:sldId id="356" r:id="rId3"/>
-    <p:sldId id="325" r:id="rId4"/>
-    <p:sldId id="366" r:id="rId5"/>
-    <p:sldId id="364" r:id="rId6"/>
-    <p:sldId id="296" r:id="rId7"/>
-    <p:sldId id="347" r:id="rId8"/>
-    <p:sldId id="323" r:id="rId9"/>
-    <p:sldId id="346" r:id="rId10"/>
-    <p:sldId id="344" r:id="rId11"/>
+    <p:sldId id="369" r:id="rId4"/>
+    <p:sldId id="325" r:id="rId5"/>
+    <p:sldId id="366" r:id="rId6"/>
+    <p:sldId id="364" r:id="rId7"/>
+    <p:sldId id="296" r:id="rId8"/>
+    <p:sldId id="347" r:id="rId9"/>
+    <p:sldId id="323" r:id="rId10"/>
+    <p:sldId id="346" r:id="rId11"/>
     <p:sldId id="351" r:id="rId12"/>
-    <p:sldId id="352" r:id="rId13"/>
+    <p:sldId id="344" r:id="rId13"/>
     <p:sldId id="353" r:id="rId14"/>
     <p:sldId id="365" r:id="rId15"/>
     <p:sldId id="349" r:id="rId16"/>
     <p:sldId id="367" r:id="rId17"/>
-    <p:sldId id="350" r:id="rId18"/>
-    <p:sldId id="320" r:id="rId19"/>
-    <p:sldId id="357" r:id="rId20"/>
-    <p:sldId id="368" r:id="rId21"/>
-    <p:sldId id="279" r:id="rId22"/>
+    <p:sldId id="320" r:id="rId18"/>
+    <p:sldId id="357" r:id="rId19"/>
+    <p:sldId id="368" r:id="rId20"/>
+    <p:sldId id="279" r:id="rId21"/>
+    <p:sldId id="358" r:id="rId22"/>
     <p:sldId id="331" r:id="rId23"/>
-    <p:sldId id="358" r:id="rId24"/>
   </p:sldIdLst>
   <p:sldSz cx="12192000" cy="6858000"/>
   <p:notesSz cx="6794500" cy="9906000"/>
@@ -251,7 +250,7 @@
               <a:pPr lvl="0">
                 <a:defRPr/>
               </a:pPr>
-              <a:t>2025-04-02</a:t>
+              <a:t>2025-04-09</a:t>
             </a:fld>
             <a:endParaRPr lang="ko-KR" altLang="en-US"/>
           </a:p>
@@ -435,7 +434,7 @@
               <a:pPr lvl="0">
                 <a:defRPr/>
               </a:pPr>
-              <a:t>2025-04-02</a:t>
+              <a:t>2025-04-09</a:t>
             </a:fld>
             <a:endParaRPr lang="ko-KR" altLang="en-US"/>
           </a:p>
@@ -875,70 +874,20 @@
           <a:lstStyle/>
           <a:p>
             <a:r>
-              <a:rPr lang="en-US" altLang="ko-KR" sz="1800" dirty="0">
-                <a:effectLst/>
-                <a:latin typeface="맑은 고딕" panose="020B0503020000020004" pitchFamily="50" charset="-127"/>
-                <a:cs typeface="Times New Roman" panose="02020603050405020304" pitchFamily="18" charset="0"/>
-              </a:rPr>
-              <a:t>It jointly trains an image encoder and a text encoder using a </a:t>
-            </a:r>
-            <a:r>
-              <a:rPr lang="en-US" altLang="ko-KR" sz="1800" b="1" dirty="0">
-                <a:effectLst/>
-                <a:latin typeface="맑은 고딕" panose="020B0503020000020004" pitchFamily="50" charset="-127"/>
-                <a:cs typeface="Times New Roman" panose="02020603050405020304" pitchFamily="18" charset="0"/>
-              </a:rPr>
-              <a:t>contrastive learning objective</a:t>
-            </a:r>
-            <a:r>
-              <a:rPr lang="en-US" altLang="ko-KR" sz="1800" dirty="0">
-                <a:effectLst/>
-                <a:latin typeface="맑은 고딕" panose="020B0503020000020004" pitchFamily="50" charset="-127"/>
-                <a:cs typeface="Times New Roman" panose="02020603050405020304" pitchFamily="18" charset="0"/>
-              </a:rPr>
-              <a:t>, where it maximizes similarity between matching image-text pairs while minimizing mismatches</a:t>
-            </a:r>
-            <a:endParaRPr lang="en-US" altLang="ko-KR" dirty="0"/>
-          </a:p>
-          <a:p>
-            <a:r>
               <a:rPr lang="en-US" altLang="ko-KR" dirty="0"/>
-              <a:t>https://creatis-myriad.github.io/2023/06/05/CLIP.html</a:t>
-            </a:r>
-            <a:br>
+              <a:t>3. They proposed a machine learning system that dynamically adjusts its weights to adapt to various tasks:</a:t>
+            </a:r>
+          </a:p>
+          <a:p>
+            <a:r>
               <a:rPr lang="en-US" altLang="ko-KR" dirty="0"/>
-            </a:br>
+              <a:t> - The model analyzes the incoming task to understand its requirements.</a:t>
+            </a:r>
+          </a:p>
+          <a:p>
             <a:r>
               <a:rPr lang="en-US" altLang="ko-KR" dirty="0"/>
-              <a:t>Contrastive Language–Image Pretraining (CLIP)</a:t>
-            </a:r>
-          </a:p>
-          <a:p>
-            <a:pPr lvl="1"/>
-            <a:r>
-              <a:rPr lang="en-US" altLang="ko-KR" dirty="0"/>
-              <a:t>Is trained with a simple pre-training task</a:t>
-            </a:r>
-          </a:p>
-          <a:p>
-            <a:pPr lvl="1"/>
-            <a:r>
-              <a:rPr lang="en-US" altLang="ko-KR" dirty="0"/>
-              <a:t>Use data abundantly available on the internet</a:t>
-            </a:r>
-          </a:p>
-          <a:p>
-            <a:pPr lvl="1"/>
-            <a:r>
-              <a:rPr lang="en-US" altLang="ko-KR" dirty="0"/>
-              <a:t>Can be used in many other visual tasks with a zero-shot approach</a:t>
-            </a:r>
-          </a:p>
-          <a:p>
-            <a:pPr lvl="1"/>
-            <a:r>
-              <a:rPr lang="en-US" altLang="ko-KR" dirty="0"/>
-              <a:t>Scaling up the data is sufficient to achieve competitive performance</a:t>
+              <a:t> - Then, it applies task-specific adaptations to generate optimal results.</a:t>
             </a:r>
             <a:endParaRPr lang="ko-KR" altLang="en-US" dirty="0"/>
           </a:p>
@@ -992,138 +941,7 @@
               <a:pPr lvl="0">
                 <a:defRPr/>
               </a:pPr>
-              <a:t>13</a:t>
-            </a:fld>
-            <a:endParaRPr lang="ko-KR" altLang="en-US"/>
-          </a:p>
-        </p:txBody>
-      </p:sp>
-    </p:spTree>
-    <p:extLst>
-      <p:ext uri="{BB962C8B-B14F-4D97-AF65-F5344CB8AC3E}">
-        <p14:creationId xmlns:p14="http://schemas.microsoft.com/office/powerpoint/2010/main" val="2251782856"/>
-      </p:ext>
-    </p:extLst>
-  </p:cSld>
-  <p:clrMapOvr>
-    <a:masterClrMapping/>
-  </p:clrMapOvr>
-</p:notes>
-</file>
-
-<file path=ppt/notesSlides/notesSlide11.xml><?xml version="1.0" encoding="utf-8"?>
-<p:notes xmlns:a="http://schemas.openxmlformats.org/drawingml/2006/main" xmlns:r="http://schemas.openxmlformats.org/officeDocument/2006/relationships" xmlns:p="http://schemas.openxmlformats.org/presentationml/2006/main">
-  <p:cSld>
-    <p:spTree>
-      <p:nvGrpSpPr>
-        <p:cNvPr id="1" name=""/>
-        <p:cNvGrpSpPr/>
-        <p:nvPr/>
-      </p:nvGrpSpPr>
-      <p:grpSpPr>
-        <a:xfrm>
-          <a:off x="0" y="0"/>
-          <a:ext cx="0" cy="0"/>
-          <a:chOff x="0" y="0"/>
-          <a:chExt cx="0" cy="0"/>
-        </a:xfrm>
-      </p:grpSpPr>
-      <p:sp>
-        <p:nvSpPr>
-          <p:cNvPr id="2" name="Slide Image Placeholder 1"/>
-          <p:cNvSpPr>
-            <a:spLocks noGrp="1" noRot="1" noChangeAspect="1"/>
-          </p:cNvSpPr>
-          <p:nvPr>
-            <p:ph type="sldImg"/>
-          </p:nvPr>
-        </p:nvSpPr>
-        <p:spPr/>
-      </p:sp>
-      <p:sp>
-        <p:nvSpPr>
-          <p:cNvPr id="3" name="Notes Placeholder 2"/>
-          <p:cNvSpPr>
-            <a:spLocks noGrp="1"/>
-          </p:cNvSpPr>
-          <p:nvPr>
-            <p:ph type="body" idx="1"/>
-          </p:nvPr>
-        </p:nvSpPr>
-        <p:spPr/>
-        <p:txBody>
-          <a:bodyPr/>
-          <a:lstStyle/>
-          <a:p>
-            <a:r>
-              <a:rPr lang="en-US" altLang="ko-KR" dirty="0"/>
-              <a:t>3. They proposed a machine learning system that dynamically adjusts its weights to adapt to various tasks:</a:t>
-            </a:r>
-          </a:p>
-          <a:p>
-            <a:r>
-              <a:rPr lang="en-US" altLang="ko-KR" dirty="0"/>
-              <a:t> - The model analyzes the incoming task to understand its requirements.</a:t>
-            </a:r>
-          </a:p>
-          <a:p>
-            <a:r>
-              <a:rPr lang="en-US" altLang="ko-KR" dirty="0"/>
-              <a:t> - Then, it applies task-specific adaptations to generate optimal results.</a:t>
-            </a:r>
-            <a:endParaRPr lang="ko-KR" altLang="en-US" dirty="0"/>
-          </a:p>
-          <a:p>
-            <a:endParaRPr lang="ko-KR" altLang="en-US" dirty="0"/>
-          </a:p>
-        </p:txBody>
-      </p:sp>
-      <p:sp>
-        <p:nvSpPr>
-          <p:cNvPr id="4" name="Header Placeholder 3"/>
-          <p:cNvSpPr>
-            <a:spLocks noGrp="1"/>
-          </p:cNvSpPr>
-          <p:nvPr>
-            <p:ph type="hdr" sz="quarter"/>
-          </p:nvPr>
-        </p:nvSpPr>
-        <p:spPr/>
-        <p:txBody>
-          <a:bodyPr/>
-          <a:lstStyle/>
-          <a:p>
-            <a:pPr lvl="0">
-              <a:defRPr/>
-            </a:pPr>
-            <a:endParaRPr lang="ko-KR" altLang="en-US"/>
-          </a:p>
-        </p:txBody>
-      </p:sp>
-      <p:sp>
-        <p:nvSpPr>
-          <p:cNvPr id="5" name="Slide Number Placeholder 4"/>
-          <p:cNvSpPr>
-            <a:spLocks noGrp="1"/>
-          </p:cNvSpPr>
-          <p:nvPr>
-            <p:ph type="sldNum" sz="quarter" idx="5"/>
-          </p:nvPr>
-        </p:nvSpPr>
-        <p:spPr/>
-        <p:txBody>
-          <a:bodyPr/>
-          <a:lstStyle/>
-          <a:p>
-            <a:pPr lvl="0">
-              <a:defRPr/>
-            </a:pPr>
-            <a:fld id="{EBB4A9A3-B107-4469-B41C-1BD4FAA7F7FA}" type="slidenum">
-              <a:rPr lang="ko-KR" altLang="en-US" smtClean="0"/>
-              <a:pPr lvl="0">
-                <a:defRPr/>
-              </a:pPr>
-              <a:t>19</a:t>
+              <a:t>18</a:t>
             </a:fld>
             <a:endParaRPr lang="ko-KR" altLang="en-US"/>
           </a:p>
@@ -1142,7 +960,7 @@
 </p:notes>
 </file>
 
-<file path=ppt/notesSlides/notesSlide12.xml><?xml version="1.0" encoding="utf-8"?>
+<file path=ppt/notesSlides/notesSlide11.xml><?xml version="1.0" encoding="utf-8"?>
 <p:notes xmlns:a="http://schemas.openxmlformats.org/drawingml/2006/main" xmlns:r="http://schemas.openxmlformats.org/officeDocument/2006/relationships" xmlns:p="http://schemas.openxmlformats.org/presentationml/2006/main">
   <p:cSld>
     <p:spTree>
@@ -1284,7 +1102,7 @@
               <a:pPr lvl="0">
                 <a:defRPr/>
               </a:pPr>
-              <a:t>20</a:t>
+              <a:t>19</a:t>
             </a:fld>
             <a:endParaRPr lang="ko-KR" altLang="en-US"/>
           </a:p>
@@ -1409,7 +1227,7 @@
               <a:pPr lvl="0">
                 <a:defRPr/>
               </a:pPr>
-              <a:t>3</a:t>
+              <a:t>4</a:t>
             </a:fld>
             <a:endParaRPr lang="ko-KR" altLang="en-US"/>
           </a:p>
@@ -1494,6 +1312,34 @@
               <a:rPr lang="en-US" altLang="ko-KR" dirty="0"/>
               <a:t>This research developed a framework based on the transformer to communicate adaptive </a:t>
             </a:r>
+          </a:p>
+          <a:p>
+            <a:pPr marL="0" marR="0" lvl="0" indent="0" algn="l" defTabSz="914400" rtl="0" eaLnBrk="1" fontAlgn="auto" latinLnBrk="1" hangingPunct="1">
+              <a:lnSpc>
+                <a:spcPct val="100000"/>
+              </a:lnSpc>
+              <a:spcBef>
+                <a:spcPts val="0"/>
+              </a:spcBef>
+              <a:spcAft>
+                <a:spcPts val="0"/>
+              </a:spcAft>
+              <a:buClrTx/>
+              <a:buSzTx/>
+              <a:buFontTx/>
+              <a:buNone/>
+              <a:tabLst/>
+              <a:defRPr/>
+            </a:pPr>
+            <a:r>
+              <a:rPr lang="en-US" altLang="ko-KR" dirty="0"/>
+              <a:t>Developed a transformer-based framework for channel-adaptive communication.</a:t>
+            </a:r>
+          </a:p>
+          <a:p>
+            <a:endParaRPr lang="en-US" altLang="ko-KR" dirty="0"/>
+          </a:p>
+          <a:p>
             <a:endParaRPr lang="ko-KR" altLang="en-US" dirty="0"/>
           </a:p>
         </p:txBody>
@@ -1555,7 +1401,7 @@
               <a:pPr lvl="0">
                 <a:defRPr/>
               </a:pPr>
-              <a:t>4</a:t>
+              <a:t>5</a:t>
             </a:fld>
             <a:endParaRPr lang="ko-KR" altLang="en-US"/>
           </a:p>
@@ -1742,7 +1588,7 @@
               <a:pPr lvl="0">
                 <a:defRPr/>
               </a:pPr>
-              <a:t>7</a:t>
+              <a:t>8</a:t>
             </a:fld>
             <a:endParaRPr lang="ko-KR" altLang="en-US"/>
           </a:p>
@@ -1807,13 +1653,8 @@
           <a:p>
             <a:r>
               <a:rPr lang="en-US" altLang="ko-KR" dirty="0"/>
-              <a:t>Each encoder is broken down in two sub-layers, and each decoder consists of </a:t>
-            </a:r>
-            <a:r>
-              <a:rPr lang="en-US" altLang="ko-KR"/>
-              <a:t>three sub-layers.</a:t>
-            </a:r>
-            <a:endParaRPr lang="en-US" altLang="ko-KR" dirty="0"/>
+              <a:t>Each encoder is broken down in two sub-layers, and each decoder consists of three sub-layers.</a:t>
+            </a:r>
           </a:p>
           <a:p>
             <a:r>
@@ -1885,7 +1726,7 @@
               <a:pPr lvl="0">
                 <a:defRPr/>
               </a:pPr>
-              <a:t>8</a:t>
+              <a:t>9</a:t>
             </a:fld>
             <a:endParaRPr lang="ko-KR" altLang="en-US"/>
           </a:p>
@@ -2097,7 +1938,7 @@
               <a:pPr lvl="0">
                 <a:defRPr/>
               </a:pPr>
-              <a:t>9</a:t>
+              <a:t>10</a:t>
             </a:fld>
             <a:endParaRPr lang="ko-KR" altLang="en-US"/>
           </a:p>
@@ -2117,6 +1958,207 @@
 </file>
 
 <file path=ppt/notesSlides/notesSlide7.xml><?xml version="1.0" encoding="utf-8"?>
+<p:notes xmlns:a="http://schemas.openxmlformats.org/drawingml/2006/main" xmlns:r="http://schemas.openxmlformats.org/officeDocument/2006/relationships" xmlns:p="http://schemas.openxmlformats.org/presentationml/2006/main">
+  <p:cSld>
+    <p:spTree>
+      <p:nvGrpSpPr>
+        <p:cNvPr id="1" name=""/>
+        <p:cNvGrpSpPr/>
+        <p:nvPr/>
+      </p:nvGrpSpPr>
+      <p:grpSpPr>
+        <a:xfrm>
+          <a:off x="0" y="0"/>
+          <a:ext cx="0" cy="0"/>
+          <a:chOff x="0" y="0"/>
+          <a:chExt cx="0" cy="0"/>
+        </a:xfrm>
+      </p:grpSpPr>
+      <p:sp>
+        <p:nvSpPr>
+          <p:cNvPr id="2" name="Slide Image Placeholder 1"/>
+          <p:cNvSpPr>
+            <a:spLocks noGrp="1" noRot="1" noChangeAspect="1"/>
+          </p:cNvSpPr>
+          <p:nvPr>
+            <p:ph type="sldImg"/>
+          </p:nvPr>
+        </p:nvSpPr>
+        <p:spPr/>
+      </p:sp>
+      <p:sp>
+        <p:nvSpPr>
+          <p:cNvPr id="3" name="Notes Placeholder 2"/>
+          <p:cNvSpPr>
+            <a:spLocks noGrp="1"/>
+          </p:cNvSpPr>
+          <p:nvPr>
+            <p:ph type="body" idx="1"/>
+          </p:nvPr>
+        </p:nvSpPr>
+        <p:spPr/>
+        <p:txBody>
+          <a:bodyPr/>
+          <a:lstStyle/>
+          <a:p>
+            <a:r>
+              <a:rPr lang="en-US" altLang="ko-KR" sz="1800" dirty="0">
+                <a:effectLst/>
+                <a:latin typeface="맑은 고딕" panose="020B0503020000020004" pitchFamily="50" charset="-127"/>
+                <a:cs typeface="Times New Roman" panose="02020603050405020304" pitchFamily="18" charset="0"/>
+              </a:rPr>
+              <a:t>The </a:t>
+            </a:r>
+            <a:r>
+              <a:rPr lang="en-US" altLang="ko-KR" sz="1800" b="1" dirty="0">
+                <a:effectLst/>
+                <a:latin typeface="맑은 고딕" panose="020B0503020000020004" pitchFamily="50" charset="-127"/>
+                <a:cs typeface="Times New Roman" panose="02020603050405020304" pitchFamily="18" charset="0"/>
+              </a:rPr>
+              <a:t>Vision Transformer (</a:t>
+            </a:r>
+            <a:r>
+              <a:rPr lang="en-US" altLang="ko-KR" sz="1800" b="1" dirty="0" err="1">
+                <a:effectLst/>
+                <a:latin typeface="맑은 고딕" panose="020B0503020000020004" pitchFamily="50" charset="-127"/>
+                <a:cs typeface="Times New Roman" panose="02020603050405020304" pitchFamily="18" charset="0"/>
+              </a:rPr>
+              <a:t>ViT</a:t>
+            </a:r>
+            <a:r>
+              <a:rPr lang="en-US" altLang="ko-KR" sz="1800" b="1" dirty="0">
+                <a:effectLst/>
+                <a:latin typeface="맑은 고딕" panose="020B0503020000020004" pitchFamily="50" charset="-127"/>
+                <a:cs typeface="Times New Roman" panose="02020603050405020304" pitchFamily="18" charset="0"/>
+              </a:rPr>
+              <a:t>)</a:t>
+            </a:r>
+            <a:r>
+              <a:rPr lang="en-US" altLang="ko-KR" sz="1800" dirty="0">
+                <a:effectLst/>
+                <a:latin typeface="맑은 고딕" panose="020B0503020000020004" pitchFamily="50" charset="-127"/>
+                <a:cs typeface="Times New Roman" panose="02020603050405020304" pitchFamily="18" charset="0"/>
+              </a:rPr>
+              <a:t> applies the Transformer architecture to image data by splitting images into fixed-size </a:t>
+            </a:r>
+            <a:r>
+              <a:rPr lang="en-US" altLang="ko-KR" sz="1800" b="1" dirty="0">
+                <a:effectLst/>
+                <a:latin typeface="맑은 고딕" panose="020B0503020000020004" pitchFamily="50" charset="-127"/>
+                <a:cs typeface="Times New Roman" panose="02020603050405020304" pitchFamily="18" charset="0"/>
+              </a:rPr>
+              <a:t>patches</a:t>
+            </a:r>
+            <a:r>
+              <a:rPr lang="en-US" altLang="ko-KR" sz="1800" dirty="0">
+                <a:effectLst/>
+                <a:latin typeface="맑은 고딕" panose="020B0503020000020004" pitchFamily="50" charset="-127"/>
+                <a:cs typeface="Times New Roman" panose="02020603050405020304" pitchFamily="18" charset="0"/>
+              </a:rPr>
+              <a:t> and processing them as token embeddings. </a:t>
+            </a:r>
+          </a:p>
+          <a:p>
+            <a:r>
+              <a:rPr lang="en-US" altLang="ko-KR" dirty="0"/>
+              <a:t>1 Image Patching: The input image is divided into fixed-size patches, typically 16x16 pixels.</a:t>
+            </a:r>
+          </a:p>
+          <a:p>
+            <a:r>
+              <a:rPr lang="en-US" altLang="ko-KR" dirty="0"/>
+              <a:t>2 Patch Embedding: Each patch is flattened and linearly embedded into a lower-dimensional vector.</a:t>
+            </a:r>
+          </a:p>
+          <a:p>
+            <a:r>
+              <a:rPr lang="en-US" altLang="ko-KR" dirty="0"/>
+              <a:t>3 Positional Encoding: Positional embeddings are added to retain spatial information.</a:t>
+            </a:r>
+          </a:p>
+          <a:p>
+            <a:r>
+              <a:rPr lang="en-US" altLang="ko-KR" dirty="0"/>
+              <a:t>4 Transformer Encoder: The sequence of patch embeddings is processed by a standard Transformer encoder.</a:t>
+            </a:r>
+          </a:p>
+          <a:p>
+            <a:r>
+              <a:rPr lang="en-US" altLang="ko-KR" dirty="0"/>
+              <a:t>5 Classification: A special "classification token" is added to the sequence for final prediction</a:t>
+            </a:r>
+            <a:endParaRPr lang="ko-KR" altLang="en-US" dirty="0"/>
+          </a:p>
+          <a:p>
+            <a:endParaRPr lang="ko-KR" altLang="en-US" dirty="0"/>
+          </a:p>
+        </p:txBody>
+      </p:sp>
+      <p:sp>
+        <p:nvSpPr>
+          <p:cNvPr id="4" name="Header Placeholder 3"/>
+          <p:cNvSpPr>
+            <a:spLocks noGrp="1"/>
+          </p:cNvSpPr>
+          <p:nvPr>
+            <p:ph type="hdr" sz="quarter"/>
+          </p:nvPr>
+        </p:nvSpPr>
+        <p:spPr/>
+        <p:txBody>
+          <a:bodyPr/>
+          <a:lstStyle/>
+          <a:p>
+            <a:pPr lvl="0">
+              <a:defRPr/>
+            </a:pPr>
+            <a:endParaRPr lang="ko-KR" altLang="en-US"/>
+          </a:p>
+        </p:txBody>
+      </p:sp>
+      <p:sp>
+        <p:nvSpPr>
+          <p:cNvPr id="5" name="Slide Number Placeholder 4"/>
+          <p:cNvSpPr>
+            <a:spLocks noGrp="1"/>
+          </p:cNvSpPr>
+          <p:nvPr>
+            <p:ph type="sldNum" sz="quarter" idx="5"/>
+          </p:nvPr>
+        </p:nvSpPr>
+        <p:spPr/>
+        <p:txBody>
+          <a:bodyPr/>
+          <a:lstStyle/>
+          <a:p>
+            <a:pPr lvl="0">
+              <a:defRPr/>
+            </a:pPr>
+            <a:fld id="{EBB4A9A3-B107-4469-B41C-1BD4FAA7F7FA}" type="slidenum">
+              <a:rPr lang="ko-KR" altLang="en-US" smtClean="0"/>
+              <a:pPr lvl="0">
+                <a:defRPr/>
+              </a:pPr>
+              <a:t>11</a:t>
+            </a:fld>
+            <a:endParaRPr lang="ko-KR" altLang="en-US"/>
+          </a:p>
+        </p:txBody>
+      </p:sp>
+    </p:spTree>
+    <p:extLst>
+      <p:ext uri="{BB962C8B-B14F-4D97-AF65-F5344CB8AC3E}">
+        <p14:creationId xmlns:p14="http://schemas.microsoft.com/office/powerpoint/2010/main" val="1784489599"/>
+      </p:ext>
+    </p:extLst>
+  </p:cSld>
+  <p:clrMapOvr>
+    <a:masterClrMapping/>
+  </p:clrMapOvr>
+</p:notes>
+</file>
+
+<file path=ppt/notesSlides/notesSlide8.xml><?xml version="1.0" encoding="utf-8"?>
 <p:notes xmlns:a="http://schemas.openxmlformats.org/drawingml/2006/main" xmlns:r="http://schemas.openxmlformats.org/officeDocument/2006/relationships" xmlns:p="http://schemas.openxmlformats.org/presentationml/2006/main">
   <p:cSld>
     <p:spTree>
@@ -2278,7 +2320,7 @@
               <a:pPr lvl="0">
                 <a:defRPr/>
               </a:pPr>
-              <a:t>10</a:t>
+              <a:t>12</a:t>
             </a:fld>
             <a:endParaRPr lang="ko-KR" altLang="en-US"/>
           </a:p>
@@ -2288,174 +2330,6 @@
     <p:extLst>
       <p:ext uri="{BB962C8B-B14F-4D97-AF65-F5344CB8AC3E}">
         <p14:creationId xmlns:p14="http://schemas.microsoft.com/office/powerpoint/2010/main" val="73039975"/>
-      </p:ext>
-    </p:extLst>
-  </p:cSld>
-  <p:clrMapOvr>
-    <a:masterClrMapping/>
-  </p:clrMapOvr>
-</p:notes>
-</file>
-
-<file path=ppt/notesSlides/notesSlide8.xml><?xml version="1.0" encoding="utf-8"?>
-<p:notes xmlns:a="http://schemas.openxmlformats.org/drawingml/2006/main" xmlns:r="http://schemas.openxmlformats.org/officeDocument/2006/relationships" xmlns:p="http://schemas.openxmlformats.org/presentationml/2006/main">
-  <p:cSld>
-    <p:spTree>
-      <p:nvGrpSpPr>
-        <p:cNvPr id="1" name=""/>
-        <p:cNvGrpSpPr/>
-        <p:nvPr/>
-      </p:nvGrpSpPr>
-      <p:grpSpPr>
-        <a:xfrm>
-          <a:off x="0" y="0"/>
-          <a:ext cx="0" cy="0"/>
-          <a:chOff x="0" y="0"/>
-          <a:chExt cx="0" cy="0"/>
-        </a:xfrm>
-      </p:grpSpPr>
-      <p:sp>
-        <p:nvSpPr>
-          <p:cNvPr id="2" name="Slide Image Placeholder 1"/>
-          <p:cNvSpPr>
-            <a:spLocks noGrp="1" noRot="1" noChangeAspect="1"/>
-          </p:cNvSpPr>
-          <p:nvPr>
-            <p:ph type="sldImg"/>
-          </p:nvPr>
-        </p:nvSpPr>
-        <p:spPr/>
-      </p:sp>
-      <p:sp>
-        <p:nvSpPr>
-          <p:cNvPr id="3" name="Notes Placeholder 2"/>
-          <p:cNvSpPr>
-            <a:spLocks noGrp="1"/>
-          </p:cNvSpPr>
-          <p:nvPr>
-            <p:ph type="body" idx="1"/>
-          </p:nvPr>
-        </p:nvSpPr>
-        <p:spPr/>
-        <p:txBody>
-          <a:bodyPr/>
-          <a:lstStyle/>
-          <a:p>
-            <a:r>
-              <a:rPr lang="en-US" altLang="ko-KR" sz="1800" dirty="0">
-                <a:effectLst/>
-                <a:latin typeface="맑은 고딕" panose="020B0503020000020004" pitchFamily="50" charset="-127"/>
-                <a:cs typeface="Times New Roman" panose="02020603050405020304" pitchFamily="18" charset="0"/>
-              </a:rPr>
-              <a:t>The </a:t>
-            </a:r>
-            <a:r>
-              <a:rPr lang="en-US" altLang="ko-KR" sz="1800" b="1" dirty="0">
-                <a:effectLst/>
-                <a:latin typeface="맑은 고딕" panose="020B0503020000020004" pitchFamily="50" charset="-127"/>
-                <a:cs typeface="Times New Roman" panose="02020603050405020304" pitchFamily="18" charset="0"/>
-              </a:rPr>
-              <a:t>Vision Transformer (</a:t>
-            </a:r>
-            <a:r>
-              <a:rPr lang="en-US" altLang="ko-KR" sz="1800" b="1" dirty="0" err="1">
-                <a:effectLst/>
-                <a:latin typeface="맑은 고딕" panose="020B0503020000020004" pitchFamily="50" charset="-127"/>
-                <a:cs typeface="Times New Roman" panose="02020603050405020304" pitchFamily="18" charset="0"/>
-              </a:rPr>
-              <a:t>ViT</a:t>
-            </a:r>
-            <a:r>
-              <a:rPr lang="en-US" altLang="ko-KR" sz="1800" b="1" dirty="0">
-                <a:effectLst/>
-                <a:latin typeface="맑은 고딕" panose="020B0503020000020004" pitchFamily="50" charset="-127"/>
-                <a:cs typeface="Times New Roman" panose="02020603050405020304" pitchFamily="18" charset="0"/>
-              </a:rPr>
-              <a:t>)</a:t>
-            </a:r>
-            <a:r>
-              <a:rPr lang="en-US" altLang="ko-KR" sz="1800" dirty="0">
-                <a:effectLst/>
-                <a:latin typeface="맑은 고딕" panose="020B0503020000020004" pitchFamily="50" charset="-127"/>
-                <a:cs typeface="Times New Roman" panose="02020603050405020304" pitchFamily="18" charset="0"/>
-              </a:rPr>
-              <a:t> applies the Transformer architecture to image data by splitting images into fixed-size </a:t>
-            </a:r>
-            <a:r>
-              <a:rPr lang="en-US" altLang="ko-KR" sz="1800" b="1" dirty="0">
-                <a:effectLst/>
-                <a:latin typeface="맑은 고딕" panose="020B0503020000020004" pitchFamily="50" charset="-127"/>
-                <a:cs typeface="Times New Roman" panose="02020603050405020304" pitchFamily="18" charset="0"/>
-              </a:rPr>
-              <a:t>patches</a:t>
-            </a:r>
-            <a:r>
-              <a:rPr lang="en-US" altLang="ko-KR" sz="1800" dirty="0">
-                <a:effectLst/>
-                <a:latin typeface="맑은 고딕" panose="020B0503020000020004" pitchFamily="50" charset="-127"/>
-                <a:cs typeface="Times New Roman" panose="02020603050405020304" pitchFamily="18" charset="0"/>
-              </a:rPr>
-              <a:t> and processing them as token embeddings. </a:t>
-            </a:r>
-            <a:endParaRPr lang="ko-KR" altLang="en-US" dirty="0"/>
-          </a:p>
-        </p:txBody>
-      </p:sp>
-      <p:sp>
-        <p:nvSpPr>
-          <p:cNvPr id="4" name="Header Placeholder 3"/>
-          <p:cNvSpPr>
-            <a:spLocks noGrp="1"/>
-          </p:cNvSpPr>
-          <p:nvPr>
-            <p:ph type="hdr" sz="quarter"/>
-          </p:nvPr>
-        </p:nvSpPr>
-        <p:spPr/>
-        <p:txBody>
-          <a:bodyPr/>
-          <a:lstStyle/>
-          <a:p>
-            <a:pPr lvl="0">
-              <a:defRPr/>
-            </a:pPr>
-            <a:endParaRPr lang="ko-KR" altLang="en-US"/>
-          </a:p>
-        </p:txBody>
-      </p:sp>
-      <p:sp>
-        <p:nvSpPr>
-          <p:cNvPr id="5" name="Slide Number Placeholder 4"/>
-          <p:cNvSpPr>
-            <a:spLocks noGrp="1"/>
-          </p:cNvSpPr>
-          <p:nvPr>
-            <p:ph type="sldNum" sz="quarter" idx="5"/>
-          </p:nvPr>
-        </p:nvSpPr>
-        <p:spPr/>
-        <p:txBody>
-          <a:bodyPr/>
-          <a:lstStyle/>
-          <a:p>
-            <a:pPr lvl="0">
-              <a:defRPr/>
-            </a:pPr>
-            <a:fld id="{EBB4A9A3-B107-4469-B41C-1BD4FAA7F7FA}" type="slidenum">
-              <a:rPr lang="ko-KR" altLang="en-US" smtClean="0"/>
-              <a:pPr lvl="0">
-                <a:defRPr/>
-              </a:pPr>
-              <a:t>11</a:t>
-            </a:fld>
-            <a:endParaRPr lang="ko-KR" altLang="en-US"/>
-          </a:p>
-        </p:txBody>
-      </p:sp>
-    </p:spTree>
-    <p:extLst>
-      <p:ext uri="{BB962C8B-B14F-4D97-AF65-F5344CB8AC3E}">
-        <p14:creationId xmlns:p14="http://schemas.microsoft.com/office/powerpoint/2010/main" val="1784489599"/>
       </p:ext>
     </p:extLst>
   </p:cSld>
@@ -2510,39 +2384,74 @@
           <a:lstStyle/>
           <a:p>
             <a:r>
+              <a:rPr lang="en-US" altLang="ko-KR" sz="1800" dirty="0">
+                <a:effectLst/>
+                <a:latin typeface="맑은 고딕" panose="020B0503020000020004" pitchFamily="50" charset="-127"/>
+                <a:cs typeface="Times New Roman" panose="02020603050405020304" pitchFamily="18" charset="0"/>
+              </a:rPr>
+              <a:t>It jointly trains an image encoder and a text encoder using a </a:t>
+            </a:r>
+            <a:r>
+              <a:rPr lang="en-US" altLang="ko-KR" sz="1800" b="1" dirty="0">
+                <a:effectLst/>
+                <a:latin typeface="맑은 고딕" panose="020B0503020000020004" pitchFamily="50" charset="-127"/>
+                <a:cs typeface="Times New Roman" panose="02020603050405020304" pitchFamily="18" charset="0"/>
+              </a:rPr>
+              <a:t>contrastive learning objective</a:t>
+            </a:r>
+            <a:r>
+              <a:rPr lang="en-US" altLang="ko-KR" sz="1800" dirty="0">
+                <a:effectLst/>
+                <a:latin typeface="맑은 고딕" panose="020B0503020000020004" pitchFamily="50" charset="-127"/>
+                <a:cs typeface="Times New Roman" panose="02020603050405020304" pitchFamily="18" charset="0"/>
+              </a:rPr>
+              <a:t>, where it maximizes similarity between matching image-text pairs while minimizing mismatches</a:t>
+            </a:r>
+            <a:endParaRPr lang="en-US" altLang="ko-KR" dirty="0"/>
+          </a:p>
+          <a:p>
+            <a:r>
               <a:rPr lang="en-US" altLang="ko-KR" dirty="0"/>
-              <a:t>Figure 1: Model overview. We split an image into fixed-size patches, linearly embed each of them, add position embeddings, and feed the resulting sequence of vectors to a standard Transformer encoder. In order to perform classification, we use the standard approach of adding an extra learnable “classification token” to the sequence. The illustration of the Transformer encoder was inspired by Vaswani et al. </a:t>
-            </a:r>
-          </a:p>
-          <a:p>
-            <a:r>
+              <a:t>https://creatis-myriad.github.io/2023/06/05/CLIP.html</a:t>
+            </a:r>
+            <a:br>
               <a:rPr lang="en-US" altLang="ko-KR" dirty="0"/>
-              <a:t>1 Image Patching: The input image is divided into fixed-size patches, typically 16x16 pixels.</a:t>
-            </a:r>
-          </a:p>
-          <a:p>
+            </a:br>
             <a:r>
               <a:rPr lang="en-US" altLang="ko-KR" dirty="0"/>
-              <a:t>2 Patch Embedding: Each patch is flattened and linearly embedded into a lower-dimensional vector.</a:t>
-            </a:r>
-          </a:p>
-          <a:p>
+              <a:t>Contrastive Language–Image Pretraining (CLIP)</a:t>
+            </a:r>
+          </a:p>
+          <a:p>
+            <a:pPr lvl="1"/>
             <a:r>
               <a:rPr lang="en-US" altLang="ko-KR" dirty="0"/>
-              <a:t>3 Positional Encoding: Positional embeddings are added to retain spatial information.</a:t>
-            </a:r>
-          </a:p>
-          <a:p>
+              <a:t>Is trained with a simple pre-training task</a:t>
+            </a:r>
+          </a:p>
+          <a:p>
+            <a:pPr lvl="1"/>
             <a:r>
               <a:rPr lang="en-US" altLang="ko-KR" dirty="0"/>
-              <a:t>4 Transformer Encoder: The sequence of patch embeddings is processed by a standard Transformer encoder.</a:t>
-            </a:r>
-          </a:p>
-          <a:p>
+              <a:t>Use data abundantly available on the internet</a:t>
+            </a:r>
+          </a:p>
+          <a:p>
+            <a:pPr lvl="1"/>
             <a:r>
               <a:rPr lang="en-US" altLang="ko-KR" dirty="0"/>
-              <a:t>5 Classification: A special "classification token" is added to the sequence for final prediction</a:t>
-            </a:r>
+              <a:t>Can be used in many other visual tasks with a zero-shot approach</a:t>
+            </a:r>
+          </a:p>
+          <a:p>
+            <a:pPr lvl="1"/>
+            <a:r>
+              <a:rPr lang="en-US" altLang="ko-KR" dirty="0"/>
+              <a:t>Scaling up the data is sufficient to achieve competitive performance</a:t>
+            </a:r>
+            <a:endParaRPr lang="ko-KR" altLang="en-US" dirty="0"/>
+          </a:p>
+          <a:p>
             <a:endParaRPr lang="ko-KR" altLang="en-US" dirty="0"/>
           </a:p>
         </p:txBody>
@@ -2592,7 +2501,7 @@
               <a:pPr lvl="0">
                 <a:defRPr/>
               </a:pPr>
-              <a:t>12</a:t>
+              <a:t>13</a:t>
             </a:fld>
             <a:endParaRPr lang="ko-KR" altLang="en-US"/>
           </a:p>
@@ -2601,7 +2510,7 @@
     </p:spTree>
     <p:extLst>
       <p:ext uri="{BB962C8B-B14F-4D97-AF65-F5344CB8AC3E}">
-        <p14:creationId xmlns:p14="http://schemas.microsoft.com/office/powerpoint/2010/main" val="2272809889"/>
+        <p14:creationId xmlns:p14="http://schemas.microsoft.com/office/powerpoint/2010/main" val="2251782856"/>
       </p:ext>
     </p:extLst>
   </p:cSld>
@@ -6796,7 +6705,31 @@
                 <a:latin typeface="Segoe UI Semilight"/>
                 <a:cs typeface="Segoe UI Semilight"/>
               </a:rPr>
-              <a:t>Multi-Modal Semantic Communication Through </a:t>
+              <a:t>ENEE698P:</a:t>
+            </a:r>
+            <a:r>
+              <a:rPr lang="ko-KR" altLang="en-US" sz="3100" dirty="0">
+                <a:solidFill>
+                  <a:schemeClr val="bg2">
+                    <a:lumMod val="25000"/>
+                  </a:schemeClr>
+                </a:solidFill>
+                <a:latin typeface="Segoe UI Semilight"/>
+                <a:cs typeface="Segoe UI Semilight"/>
+              </a:rPr>
+              <a:t> </a:t>
+            </a:r>
+            <a:r>
+              <a:rPr lang="en-US" altLang="ko-KR" sz="3100" dirty="0">
+                <a:solidFill>
+                  <a:schemeClr val="bg2">
+                    <a:lumMod val="25000"/>
+                  </a:schemeClr>
+                </a:solidFill>
+                <a:latin typeface="Segoe UI Semilight"/>
+                <a:cs typeface="Segoe UI Semilight"/>
+              </a:rPr>
+              <a:t>Multi-Modal Semantic Communication </a:t>
             </a:r>
             <a:br>
               <a:rPr lang="en-US" altLang="ko-KR" sz="3100" dirty="0">
@@ -6819,7 +6752,7 @@
                 <a:latin typeface="Segoe UI Semilight"/>
                 <a:cs typeface="Segoe UI Semilight"/>
               </a:rPr>
-              <a:t>Transformer-Aided Compression</a:t>
+              <a:t>Through Transformer-Aided Compression</a:t>
             </a:r>
             <a:br>
               <a:rPr lang="en-US" altLang="ko-KR" sz="3100" dirty="0">
@@ -6914,7 +6847,7 @@
                 <a:ea typeface="맑은 고딕"/>
                 <a:cs typeface="Segoe UI Semibold"/>
               </a:rPr>
-              <a:t>April 2</a:t>
+              <a:t>April 9</a:t>
             </a:r>
             <a:r>
               <a:rPr kumimoji="0" lang="en-US" altLang="ko-KR" sz="1900" i="0" u="none" strike="noStrike" kern="1200" cap="none" spc="0" normalizeH="0" baseline="0" noProof="0" dirty="0">
@@ -6967,13 +6900,7 @@
   <p:cSld>
     <p:spTree>
       <p:nvGrpSpPr>
-        <p:cNvPr id="1" name="">
-          <a:extLst>
-            <a:ext uri="{FF2B5EF4-FFF2-40B4-BE49-F238E27FC236}">
-              <a16:creationId xmlns:a16="http://schemas.microsoft.com/office/drawing/2014/main" id="{16E3AD5B-CD35-8A8C-B31F-6813D628F8F9}"/>
-            </a:ext>
-          </a:extLst>
-        </p:cNvPr>
+        <p:cNvPr id="1" name=""/>
         <p:cNvGrpSpPr/>
         <p:nvPr/>
       </p:nvGrpSpPr>
@@ -6987,108 +6914,10 @@
       </p:grpSpPr>
       <p:sp>
         <p:nvSpPr>
-          <p:cNvPr id="2" name="Content Placeholder 1">
+          <p:cNvPr id="3" name="Slide Number Placeholder 2">
             <a:extLst>
               <a:ext uri="{FF2B5EF4-FFF2-40B4-BE49-F238E27FC236}">
-                <a16:creationId xmlns:a16="http://schemas.microsoft.com/office/drawing/2014/main" id="{9EE99603-5E4F-899F-C23A-BA8B3642E9B3}"/>
-              </a:ext>
-            </a:extLst>
-          </p:cNvPr>
-          <p:cNvSpPr>
-            <a:spLocks noGrp="1"/>
-          </p:cNvSpPr>
-          <p:nvPr>
-            <p:ph idx="1"/>
-          </p:nvPr>
-        </p:nvSpPr>
-        <p:spPr/>
-        <p:txBody>
-          <a:bodyPr>
-            <a:normAutofit/>
-          </a:bodyPr>
-          <a:lstStyle/>
-          <a:p>
-            <a:r>
-              <a:rPr lang="en-US" altLang="ko-KR" dirty="0"/>
-              <a:t>Key Features:</a:t>
-            </a:r>
-          </a:p>
-          <a:p>
-            <a:pPr lvl="1"/>
-            <a:r>
-              <a:rPr lang="en-US" altLang="ko-KR" dirty="0"/>
-              <a:t>Multi-head attention</a:t>
-            </a:r>
-          </a:p>
-          <a:p>
-            <a:pPr lvl="1"/>
-            <a:r>
-              <a:rPr lang="en-US" altLang="ko-KR" dirty="0"/>
-              <a:t>Positional encodings</a:t>
-            </a:r>
-          </a:p>
-          <a:p>
-            <a:pPr lvl="1"/>
-            <a:r>
-              <a:rPr lang="en-US" altLang="ko-KR" dirty="0"/>
-              <a:t>Encoder-decoder structure</a:t>
-            </a:r>
-          </a:p>
-          <a:p>
-            <a:r>
-              <a:rPr lang="en-US" altLang="ko-KR" dirty="0"/>
-              <a:t>Application for the paper:</a:t>
-            </a:r>
-          </a:p>
-          <a:p>
-            <a:pPr lvl="1"/>
-            <a:r>
-              <a:rPr lang="en-US" altLang="ko-KR" dirty="0"/>
-              <a:t>Image patches encoded and compressed based on semantic content.</a:t>
-            </a:r>
-          </a:p>
-        </p:txBody>
-      </p:sp>
-      <p:sp>
-        <p:nvSpPr>
-          <p:cNvPr id="3" name="Text Placeholder 2">
-            <a:extLst>
-              <a:ext uri="{FF2B5EF4-FFF2-40B4-BE49-F238E27FC236}">
-                <a16:creationId xmlns:a16="http://schemas.microsoft.com/office/drawing/2014/main" id="{5C6E4CC4-18B7-EC90-AE78-C4A960B2E6E6}"/>
-              </a:ext>
-            </a:extLst>
-          </p:cNvPr>
-          <p:cNvSpPr>
-            <a:spLocks noGrp="1"/>
-          </p:cNvSpPr>
-          <p:nvPr>
-            <p:ph type="body" sz="quarter" idx="13"/>
-          </p:nvPr>
-        </p:nvSpPr>
-        <p:spPr>
-          <a:xfrm>
-            <a:off x="554460" y="653826"/>
-            <a:ext cx="10794130" cy="387798"/>
-          </a:xfrm>
-        </p:spPr>
-        <p:txBody>
-          <a:bodyPr/>
-          <a:lstStyle/>
-          <a:p>
-            <a:r>
-              <a:rPr lang="en-US" altLang="ko-KR" dirty="0"/>
-              <a:t>Background (Transformer)</a:t>
-            </a:r>
-            <a:endParaRPr lang="ko-KR" altLang="en-US" dirty="0"/>
-          </a:p>
-        </p:txBody>
-      </p:sp>
-      <p:sp>
-        <p:nvSpPr>
-          <p:cNvPr id="4" name="Slide Number Placeholder 3">
-            <a:extLst>
-              <a:ext uri="{FF2B5EF4-FFF2-40B4-BE49-F238E27FC236}">
-                <a16:creationId xmlns:a16="http://schemas.microsoft.com/office/drawing/2014/main" id="{7EEF5F11-C21E-9819-DA9C-CC0D253E9D06}"/>
+                <a16:creationId xmlns:a16="http://schemas.microsoft.com/office/drawing/2014/main" id="{0F9CDA00-1D9F-08A1-42F0-B3A91D6AD08C}"/>
               </a:ext>
             </a:extLst>
           </p:cNvPr>
@@ -7141,7 +6970,7 @@
               </a:pPr>
               <a:t>10</a:t>
             </a:fld>
-            <a:endParaRPr kumimoji="0" lang="ko-KR" altLang="en-US" sz="1100" b="0" i="0" u="none" strike="noStrike" kern="1200" cap="none" spc="0" normalizeH="0" baseline="0" dirty="0">
+            <a:endParaRPr kumimoji="0" lang="ko-KR" altLang="en-US" sz="1100" b="0" i="0" u="none" strike="noStrike" kern="1200" cap="none" spc="0" normalizeH="0" baseline="0">
               <a:solidFill>
                 <a:srgbClr val="000000"/>
               </a:solidFill>
@@ -7152,10 +6981,57 @@
           </a:p>
         </p:txBody>
       </p:sp>
+      <p:pic>
+        <p:nvPicPr>
+          <p:cNvPr id="2050" name="Picture 2">
+            <a:extLst>
+              <a:ext uri="{FF2B5EF4-FFF2-40B4-BE49-F238E27FC236}">
+                <a16:creationId xmlns:a16="http://schemas.microsoft.com/office/drawing/2014/main" id="{C554F175-4124-DAAC-7246-C518132CB286}"/>
+              </a:ext>
+            </a:extLst>
+          </p:cNvPr>
+          <p:cNvPicPr>
+            <a:picLocks noChangeAspect="1" noChangeArrowheads="1"/>
+          </p:cNvPicPr>
+          <p:nvPr/>
+        </p:nvPicPr>
+        <p:blipFill>
+          <a:blip r:embed="rId3">
+            <a:extLst>
+              <a:ext uri="{28A0092B-C50C-407E-A947-70E740481C1C}">
+                <a14:useLocalDpi xmlns:a14="http://schemas.microsoft.com/office/drawing/2010/main" val="0"/>
+              </a:ext>
+            </a:extLst>
+          </a:blip>
+          <a:srcRect/>
+          <a:stretch>
+            <a:fillRect/>
+          </a:stretch>
+        </p:blipFill>
+        <p:spPr bwMode="auto">
+          <a:xfrm>
+            <a:off x="468351" y="204879"/>
+            <a:ext cx="11217274" cy="6373619"/>
+          </a:xfrm>
+          <a:prstGeom prst="rect">
+            <a:avLst/>
+          </a:prstGeom>
+          <a:noFill/>
+          <a:extLst>
+            <a:ext uri="{909E8E84-426E-40DD-AFC4-6F175D3DCCD1}">
+              <a14:hiddenFill xmlns:a14="http://schemas.microsoft.com/office/drawing/2010/main">
+                <a:solidFill>
+                  <a:srgbClr val="FFFFFF"/>
+                </a:solidFill>
+              </a14:hiddenFill>
+            </a:ext>
+          </a:extLst>
+        </p:spPr>
+      </p:pic>
     </p:spTree>
     <p:extLst>
       <p:ext uri="{BB962C8B-B14F-4D97-AF65-F5344CB8AC3E}">
-        <p14:creationId xmlns:p14="http://schemas.microsoft.com/office/powerpoint/2010/main" val="2286128129"/>
+        <p14:creationId xmlns:p14="http://schemas.microsoft.com/office/powerpoint/2010/main" val="1739996657"/>
       </p:ext>
     </p:extLst>
   </p:cSld>
@@ -7380,7 +7256,7 @@
         <p:cNvPr id="1" name="">
           <a:extLst>
             <a:ext uri="{FF2B5EF4-FFF2-40B4-BE49-F238E27FC236}">
-              <a16:creationId xmlns:a16="http://schemas.microsoft.com/office/drawing/2014/main" id="{59CB0228-8FA5-E1BD-5297-5D5C86F29693}"/>
+              <a16:creationId xmlns:a16="http://schemas.microsoft.com/office/drawing/2014/main" id="{16E3AD5B-CD35-8A8C-B31F-6813D628F8F9}"/>
             </a:ext>
           </a:extLst>
         </p:cNvPr>
@@ -7400,7 +7276,7 @@
           <p:cNvPr id="2" name="Content Placeholder 1">
             <a:extLst>
               <a:ext uri="{FF2B5EF4-FFF2-40B4-BE49-F238E27FC236}">
-                <a16:creationId xmlns:a16="http://schemas.microsoft.com/office/drawing/2014/main" id="{9B0FE144-821A-F1D2-669B-E6E5909D51C0}"/>
+                <a16:creationId xmlns:a16="http://schemas.microsoft.com/office/drawing/2014/main" id="{9EE99603-5E4F-899F-C23A-BA8B3642E9B3}"/>
               </a:ext>
             </a:extLst>
           </p:cNvPr>
@@ -7413,57 +7289,49 @@
         </p:nvSpPr>
         <p:spPr/>
         <p:txBody>
-          <a:bodyPr/>
+          <a:bodyPr>
+            <a:normAutofit/>
+          </a:bodyPr>
           <a:lstStyle/>
           <a:p>
             <a:r>
               <a:rPr lang="en-US" altLang="ko-KR" dirty="0"/>
-              <a:t>Vision Transformer (</a:t>
-            </a:r>
-            <a:r>
-              <a:rPr lang="en-US" altLang="ko-KR" dirty="0" err="1"/>
-              <a:t>ViT</a:t>
-            </a:r>
+              <a:t>Key Features:</a:t>
+            </a:r>
+          </a:p>
+          <a:p>
+            <a:pPr lvl="1"/>
             <a:r>
               <a:rPr lang="en-US" altLang="ko-KR" dirty="0"/>
-              <a:t>):</a:t>
+              <a:t>Multi-head attention</a:t>
             </a:r>
           </a:p>
           <a:p>
             <a:pPr lvl="1"/>
             <a:r>
               <a:rPr lang="en-US" altLang="ko-KR" dirty="0"/>
-              <a:t>Image Patching: The input image is divided into fixed-size patches, typically 16x16 pixels.</a:t>
+              <a:t>Positional encodings</a:t>
             </a:r>
           </a:p>
           <a:p>
             <a:pPr lvl="1"/>
             <a:r>
               <a:rPr lang="en-US" altLang="ko-KR" dirty="0"/>
-              <a:t>Patch Embedding: Each patch is flattened and linearly embedded into a lower-dimensional vector.</a:t>
+              <a:t>Encoder-decoder structure</a:t>
+            </a:r>
+          </a:p>
+          <a:p>
+            <a:r>
+              <a:rPr lang="en-US" altLang="ko-KR" dirty="0"/>
+              <a:t>Application for the paper:</a:t>
             </a:r>
           </a:p>
           <a:p>
             <a:pPr lvl="1"/>
             <a:r>
               <a:rPr lang="en-US" altLang="ko-KR" dirty="0"/>
-              <a:t>Positional Encoding: Positional embeddings are added to retain spatial information.</a:t>
-            </a:r>
-          </a:p>
-          <a:p>
-            <a:pPr lvl="1"/>
-            <a:r>
-              <a:rPr lang="en-US" altLang="ko-KR" dirty="0"/>
-              <a:t>Transformer Encoder: The sequence of patch embeddings is processed by a standard Transformer encoder.</a:t>
-            </a:r>
-          </a:p>
-          <a:p>
-            <a:pPr lvl="1"/>
-            <a:r>
-              <a:rPr lang="en-US" altLang="ko-KR" dirty="0"/>
-              <a:t>Classification: A special "classification token" is added to the sequence for final prediction</a:t>
-            </a:r>
-            <a:endParaRPr lang="ko-KR" altLang="en-US" dirty="0"/>
+              <a:t>Image patches encoded and compressed based on semantic content.</a:t>
+            </a:r>
           </a:p>
         </p:txBody>
       </p:sp>
@@ -7472,7 +7340,7 @@
           <p:cNvPr id="3" name="Text Placeholder 2">
             <a:extLst>
               <a:ext uri="{FF2B5EF4-FFF2-40B4-BE49-F238E27FC236}">
-                <a16:creationId xmlns:a16="http://schemas.microsoft.com/office/drawing/2014/main" id="{649F9657-D23A-5AEC-57A6-A3B11CB61C39}"/>
+                <a16:creationId xmlns:a16="http://schemas.microsoft.com/office/drawing/2014/main" id="{5C6E4CC4-18B7-EC90-AE78-C4A960B2E6E6}"/>
               </a:ext>
             </a:extLst>
           </p:cNvPr>
@@ -7495,7 +7363,15 @@
           <a:p>
             <a:r>
               <a:rPr lang="en-US" altLang="ko-KR" dirty="0"/>
-              <a:t>Background (Vision Transformer)</a:t>
+              <a:t>Background (Transformer &amp; </a:t>
+            </a:r>
+            <a:r>
+              <a:rPr lang="en-US" altLang="ko-KR" dirty="0" err="1"/>
+              <a:t>ViT</a:t>
+            </a:r>
+            <a:r>
+              <a:rPr lang="en-US" altLang="ko-KR" dirty="0"/>
+              <a:t>)</a:t>
             </a:r>
             <a:endParaRPr lang="ko-KR" altLang="en-US" dirty="0"/>
           </a:p>
@@ -7506,7 +7382,7 @@
           <p:cNvPr id="4" name="Slide Number Placeholder 3">
             <a:extLst>
               <a:ext uri="{FF2B5EF4-FFF2-40B4-BE49-F238E27FC236}">
-                <a16:creationId xmlns:a16="http://schemas.microsoft.com/office/drawing/2014/main" id="{40CD82CA-5ABA-CB70-BAEB-E97D24CA60B6}"/>
+                <a16:creationId xmlns:a16="http://schemas.microsoft.com/office/drawing/2014/main" id="{7EEF5F11-C21E-9819-DA9C-CC0D253E9D06}"/>
               </a:ext>
             </a:extLst>
           </p:cNvPr>
@@ -7573,7 +7449,7 @@
     </p:spTree>
     <p:extLst>
       <p:ext uri="{BB962C8B-B14F-4D97-AF65-F5344CB8AC3E}">
-        <p14:creationId xmlns:p14="http://schemas.microsoft.com/office/powerpoint/2010/main" val="2754936091"/>
+        <p14:creationId xmlns:p14="http://schemas.microsoft.com/office/powerpoint/2010/main" val="2286128129"/>
       </p:ext>
     </p:extLst>
   </p:cSld>
@@ -8879,13 +8755,7 @@
   <p:cSld>
     <p:spTree>
       <p:nvGrpSpPr>
-        <p:cNvPr id="1" name="">
-          <a:extLst>
-            <a:ext uri="{FF2B5EF4-FFF2-40B4-BE49-F238E27FC236}">
-              <a16:creationId xmlns:a16="http://schemas.microsoft.com/office/drawing/2014/main" id="{F670051E-1D15-13DF-3B15-146A6F9E3C49}"/>
-            </a:ext>
-          </a:extLst>
-        </p:cNvPr>
+        <p:cNvPr id="1" name=""/>
         <p:cNvGrpSpPr/>
         <p:nvPr/>
       </p:nvGrpSpPr>
@@ -8899,10 +8769,10 @@
       </p:grpSpPr>
       <p:sp>
         <p:nvSpPr>
-          <p:cNvPr id="2" name="Content Placeholder 1">
+          <p:cNvPr id="2" name="제목 1">
             <a:extLst>
               <a:ext uri="{FF2B5EF4-FFF2-40B4-BE49-F238E27FC236}">
-                <a16:creationId xmlns:a16="http://schemas.microsoft.com/office/drawing/2014/main" id="{E5B4CFF7-9B20-37FF-7C0D-C91CA0B67E35}"/>
+                <a16:creationId xmlns:a16="http://schemas.microsoft.com/office/drawing/2014/main" id="{EA27FFC3-C4B6-383F-4708-24D4DDC014DC}"/>
               </a:ext>
             </a:extLst>
           </p:cNvPr>
@@ -8910,53 +8780,17 @@
             <a:spLocks noGrp="1"/>
           </p:cNvSpPr>
           <p:nvPr>
-            <p:ph idx="1"/>
+            <p:ph type="title"/>
           </p:nvPr>
         </p:nvSpPr>
         <p:spPr/>
         <p:txBody>
-          <a:bodyPr>
-            <a:normAutofit/>
-          </a:bodyPr>
+          <a:bodyPr/>
           <a:lstStyle/>
           <a:p>
             <a:r>
               <a:rPr lang="en-US" altLang="ko-KR" dirty="0"/>
-              <a:t>Key contributions:</a:t>
-            </a:r>
-          </a:p>
-          <a:p>
-            <a:pPr lvl="1"/>
-            <a:r>
-              <a:rPr lang="en-US" altLang="ko-KR" dirty="0"/>
-              <a:t>Multi-resolution encoding for preserving semantic fidelity.</a:t>
-            </a:r>
-          </a:p>
-          <a:p>
-            <a:pPr lvl="1"/>
-            <a:r>
-              <a:rPr lang="en-US" altLang="ko-KR" dirty="0"/>
-              <a:t>Dynamic adaptation to varying channel conditions.</a:t>
-            </a:r>
-          </a:p>
-          <a:p>
-            <a:r>
-              <a:rPr lang="en-US" altLang="ko-KR" dirty="0"/>
-              <a:t>Results:</a:t>
-            </a:r>
-          </a:p>
-          <a:p>
-            <a:pPr lvl="1"/>
-            <a:r>
-              <a:rPr lang="en-US" altLang="ko-KR" dirty="0"/>
-              <a:t>Optimized bandwidth utilization.</a:t>
-            </a:r>
-          </a:p>
-          <a:p>
-            <a:pPr lvl="1"/>
-            <a:r>
-              <a:rPr lang="en-US" altLang="ko-KR" dirty="0"/>
-              <a:t>Maintained high task accuracy and data quality.</a:t>
+              <a:t>Results</a:t>
             </a:r>
             <a:endParaRPr lang="ko-KR" altLang="en-US" dirty="0"/>
           </a:p>
@@ -8964,44 +8798,10 @@
       </p:sp>
       <p:sp>
         <p:nvSpPr>
-          <p:cNvPr id="3" name="Text Placeholder 2">
+          <p:cNvPr id="3" name="슬라이드 번호 개체 틀 2">
             <a:extLst>
               <a:ext uri="{FF2B5EF4-FFF2-40B4-BE49-F238E27FC236}">
-                <a16:creationId xmlns:a16="http://schemas.microsoft.com/office/drawing/2014/main" id="{2022028D-1B83-EFAC-A9B4-98BFA0239E5D}"/>
-              </a:ext>
-            </a:extLst>
-          </p:cNvPr>
-          <p:cNvSpPr>
-            <a:spLocks noGrp="1"/>
-          </p:cNvSpPr>
-          <p:nvPr>
-            <p:ph type="body" sz="quarter" idx="13"/>
-          </p:nvPr>
-        </p:nvSpPr>
-        <p:spPr>
-          <a:xfrm>
-            <a:off x="554460" y="653826"/>
-            <a:ext cx="10794130" cy="387798"/>
-          </a:xfrm>
-        </p:spPr>
-        <p:txBody>
-          <a:bodyPr/>
-          <a:lstStyle/>
-          <a:p>
-            <a:r>
-              <a:rPr lang="en-US" altLang="ko-KR" dirty="0"/>
-              <a:t>System Model</a:t>
-            </a:r>
-            <a:endParaRPr lang="ko-KR" altLang="en-US" dirty="0"/>
-          </a:p>
-        </p:txBody>
-      </p:sp>
-      <p:sp>
-        <p:nvSpPr>
-          <p:cNvPr id="4" name="Slide Number Placeholder 3">
-            <a:extLst>
-              <a:ext uri="{FF2B5EF4-FFF2-40B4-BE49-F238E27FC236}">
-                <a16:creationId xmlns:a16="http://schemas.microsoft.com/office/drawing/2014/main" id="{877E2A64-D1FB-4B20-BE65-E34EE6BC9036}"/>
+                <a16:creationId xmlns:a16="http://schemas.microsoft.com/office/drawing/2014/main" id="{B7F1AA3A-6555-23A9-4EEE-920CD4EF38BA}"/>
               </a:ext>
             </a:extLst>
           </p:cNvPr>
@@ -9054,7 +8854,7 @@
               </a:pPr>
               <a:t>17</a:t>
             </a:fld>
-            <a:endParaRPr kumimoji="0" lang="ko-KR" altLang="en-US" sz="1100" b="0" i="0" u="none" strike="noStrike" kern="1200" cap="none" spc="0" normalizeH="0" baseline="0" dirty="0">
+            <a:endParaRPr kumimoji="0" lang="ko-KR" altLang="en-US" sz="1100" b="0" i="0" u="none" strike="noStrike" kern="1200" cap="none" spc="0" normalizeH="0" baseline="0">
               <a:solidFill>
                 <a:srgbClr val="000000"/>
               </a:solidFill>
@@ -9068,7 +8868,7 @@
     </p:spTree>
     <p:extLst>
       <p:ext uri="{BB962C8B-B14F-4D97-AF65-F5344CB8AC3E}">
-        <p14:creationId xmlns:p14="http://schemas.microsoft.com/office/powerpoint/2010/main" val="1765662178"/>
+        <p14:creationId xmlns:p14="http://schemas.microsoft.com/office/powerpoint/2010/main" val="917962460"/>
       </p:ext>
     </p:extLst>
   </p:cSld>
@@ -9098,10 +8898,10 @@
       </p:grpSpPr>
       <p:sp>
         <p:nvSpPr>
-          <p:cNvPr id="2" name="제목 1">
+          <p:cNvPr id="3" name="Text Placeholder 2">
             <a:extLst>
               <a:ext uri="{FF2B5EF4-FFF2-40B4-BE49-F238E27FC236}">
-                <a16:creationId xmlns:a16="http://schemas.microsoft.com/office/drawing/2014/main" id="{EA27FFC3-C4B6-383F-4708-24D4DDC014DC}"/>
+                <a16:creationId xmlns:a16="http://schemas.microsoft.com/office/drawing/2014/main" id="{F7768E46-EFBA-285E-56E8-6426C47C0A99}"/>
               </a:ext>
             </a:extLst>
           </p:cNvPr>
@@ -9109,10 +8909,15 @@
             <a:spLocks noGrp="1"/>
           </p:cNvSpPr>
           <p:nvPr>
-            <p:ph type="title"/>
-          </p:nvPr>
-        </p:nvSpPr>
-        <p:spPr/>
+            <p:ph type="body" sz="quarter" idx="13"/>
+          </p:nvPr>
+        </p:nvSpPr>
+        <p:spPr>
+          <a:xfrm>
+            <a:off x="554460" y="653826"/>
+            <a:ext cx="10794130" cy="387798"/>
+          </a:xfrm>
+        </p:spPr>
         <p:txBody>
           <a:bodyPr/>
           <a:lstStyle/>
@@ -9127,10 +8932,10 @@
       </p:sp>
       <p:sp>
         <p:nvSpPr>
-          <p:cNvPr id="3" name="슬라이드 번호 개체 틀 2">
+          <p:cNvPr id="4" name="Slide Number Placeholder 3">
             <a:extLst>
               <a:ext uri="{FF2B5EF4-FFF2-40B4-BE49-F238E27FC236}">
-                <a16:creationId xmlns:a16="http://schemas.microsoft.com/office/drawing/2014/main" id="{B7F1AA3A-6555-23A9-4EEE-920CD4EF38BA}"/>
+                <a16:creationId xmlns:a16="http://schemas.microsoft.com/office/drawing/2014/main" id="{2D3617C0-33D8-D107-1AA4-05040BB6F169}"/>
               </a:ext>
             </a:extLst>
           </p:cNvPr>
@@ -9182,140 +8987,6 @@
                 <a:defRPr/>
               </a:pPr>
               <a:t>18</a:t>
-            </a:fld>
-            <a:endParaRPr kumimoji="0" lang="ko-KR" altLang="en-US" sz="1100" b="0" i="0" u="none" strike="noStrike" kern="1200" cap="none" spc="0" normalizeH="0" baseline="0">
-              <a:solidFill>
-                <a:srgbClr val="000000"/>
-              </a:solidFill>
-              <a:latin typeface="Segoe UI Semibold"/>
-              <a:ea typeface="맑은 고딕"/>
-              <a:cs typeface="Segoe UI Semibold"/>
-            </a:endParaRPr>
-          </a:p>
-        </p:txBody>
-      </p:sp>
-    </p:spTree>
-    <p:extLst>
-      <p:ext uri="{BB962C8B-B14F-4D97-AF65-F5344CB8AC3E}">
-        <p14:creationId xmlns:p14="http://schemas.microsoft.com/office/powerpoint/2010/main" val="917962460"/>
-      </p:ext>
-    </p:extLst>
-  </p:cSld>
-  <p:clrMapOvr>
-    <a:masterClrMapping/>
-  </p:clrMapOvr>
-  <p:transition/>
-</p:sld>
-</file>
-
-<file path=ppt/slides/slide19.xml><?xml version="1.0" encoding="utf-8"?>
-<p:sld xmlns:a="http://schemas.openxmlformats.org/drawingml/2006/main" xmlns:r="http://schemas.openxmlformats.org/officeDocument/2006/relationships" xmlns:p="http://schemas.openxmlformats.org/presentationml/2006/main">
-  <p:cSld>
-    <p:spTree>
-      <p:nvGrpSpPr>
-        <p:cNvPr id="1" name=""/>
-        <p:cNvGrpSpPr/>
-        <p:nvPr/>
-      </p:nvGrpSpPr>
-      <p:grpSpPr>
-        <a:xfrm>
-          <a:off x="0" y="0"/>
-          <a:ext cx="0" cy="0"/>
-          <a:chOff x="0" y="0"/>
-          <a:chExt cx="0" cy="0"/>
-        </a:xfrm>
-      </p:grpSpPr>
-      <p:sp>
-        <p:nvSpPr>
-          <p:cNvPr id="3" name="Text Placeholder 2">
-            <a:extLst>
-              <a:ext uri="{FF2B5EF4-FFF2-40B4-BE49-F238E27FC236}">
-                <a16:creationId xmlns:a16="http://schemas.microsoft.com/office/drawing/2014/main" id="{F7768E46-EFBA-285E-56E8-6426C47C0A99}"/>
-              </a:ext>
-            </a:extLst>
-          </p:cNvPr>
-          <p:cNvSpPr>
-            <a:spLocks noGrp="1"/>
-          </p:cNvSpPr>
-          <p:nvPr>
-            <p:ph type="body" sz="quarter" idx="13"/>
-          </p:nvPr>
-        </p:nvSpPr>
-        <p:spPr>
-          <a:xfrm>
-            <a:off x="554460" y="653826"/>
-            <a:ext cx="10794130" cy="387798"/>
-          </a:xfrm>
-        </p:spPr>
-        <p:txBody>
-          <a:bodyPr/>
-          <a:lstStyle/>
-          <a:p>
-            <a:r>
-              <a:rPr lang="en-US" altLang="ko-KR" dirty="0"/>
-              <a:t>Results</a:t>
-            </a:r>
-            <a:endParaRPr lang="ko-KR" altLang="en-US" dirty="0"/>
-          </a:p>
-        </p:txBody>
-      </p:sp>
-      <p:sp>
-        <p:nvSpPr>
-          <p:cNvPr id="4" name="Slide Number Placeholder 3">
-            <a:extLst>
-              <a:ext uri="{FF2B5EF4-FFF2-40B4-BE49-F238E27FC236}">
-                <a16:creationId xmlns:a16="http://schemas.microsoft.com/office/drawing/2014/main" id="{2D3617C0-33D8-D107-1AA4-05040BB6F169}"/>
-              </a:ext>
-            </a:extLst>
-          </p:cNvPr>
-          <p:cNvSpPr>
-            <a:spLocks noGrp="1"/>
-          </p:cNvSpPr>
-          <p:nvPr>
-            <p:ph type="sldNum" sz="quarter" idx="10"/>
-          </p:nvPr>
-        </p:nvSpPr>
-        <p:spPr/>
-        <p:txBody>
-          <a:bodyPr/>
-          <a:lstStyle/>
-          <a:p>
-            <a:pPr marL="0" lvl="0" indent="0" algn="l" defTabSz="914400" rtl="0" eaLnBrk="1" latinLnBrk="1" hangingPunct="1">
-              <a:lnSpc>
-                <a:spcPct val="100000"/>
-              </a:lnSpc>
-              <a:spcBef>
-                <a:spcPct val="0"/>
-              </a:spcBef>
-              <a:spcAft>
-                <a:spcPts val="0"/>
-              </a:spcAft>
-              <a:buNone/>
-              <a:defRPr/>
-            </a:pPr>
-            <a:fld id="{B08FFF47-F7C8-4417-B66B-1876CACD7C6F}" type="slidenum">
-              <a:rPr kumimoji="0" lang="ko-KR" altLang="en-US" sz="1100" b="0" i="0" u="none" strike="noStrike" kern="1200" cap="none" spc="0" normalizeH="0" baseline="0" smtClean="0">
-                <a:solidFill>
-                  <a:srgbClr val="000000"/>
-                </a:solidFill>
-                <a:latin typeface="Segoe UI Semibold"/>
-                <a:ea typeface="맑은 고딕"/>
-                <a:cs typeface="Segoe UI Semibold"/>
-              </a:rPr>
-              <a:pPr marL="0" lvl="0" indent="0" algn="l" defTabSz="914400" rtl="0" eaLnBrk="1" latinLnBrk="1" hangingPunct="1">
-                <a:lnSpc>
-                  <a:spcPct val="100000"/>
-                </a:lnSpc>
-                <a:spcBef>
-                  <a:spcPct val="0"/>
-                </a:spcBef>
-                <a:spcAft>
-                  <a:spcPts val="0"/>
-                </a:spcAft>
-                <a:buNone/>
-                <a:defRPr/>
-              </a:pPr>
-              <a:t>19</a:t>
             </a:fld>
             <a:endParaRPr kumimoji="0" lang="ko-KR" altLang="en-US" sz="1100" b="0" i="0" u="none" strike="noStrike" kern="1200" cap="none" spc="0" normalizeH="0" baseline="0" dirty="0">
               <a:solidFill>
@@ -9501,7 +9172,7 @@
 </p:sld>
 </file>
 
-<file path=ppt/slides/slide2.xml><?xml version="1.0" encoding="utf-8"?>
+<file path=ppt/slides/slide19.xml><?xml version="1.0" encoding="utf-8"?>
 <p:sld xmlns:a="http://schemas.openxmlformats.org/drawingml/2006/main" xmlns:r="http://schemas.openxmlformats.org/officeDocument/2006/relationships" xmlns:p="http://schemas.openxmlformats.org/presentationml/2006/main">
   <p:cSld>
     <p:spTree>
@@ -9509,7 +9180,7 @@
         <p:cNvPr id="1" name="">
           <a:extLst>
             <a:ext uri="{FF2B5EF4-FFF2-40B4-BE49-F238E27FC236}">
-              <a16:creationId xmlns:a16="http://schemas.microsoft.com/office/drawing/2014/main" id="{A111E36A-9044-CEE5-9D33-1A784ED41C42}"/>
+              <a16:creationId xmlns:a16="http://schemas.microsoft.com/office/drawing/2014/main" id="{A25BD62F-4BB0-7059-7AA6-F8FB5C352976}"/>
             </a:ext>
           </a:extLst>
         </p:cNvPr>
@@ -9526,89 +9197,10 @@
       </p:grpSpPr>
       <p:sp>
         <p:nvSpPr>
-          <p:cNvPr id="2" name="내용 개체 틀 1">
+          <p:cNvPr id="3" name="Text Placeholder 2">
             <a:extLst>
               <a:ext uri="{FF2B5EF4-FFF2-40B4-BE49-F238E27FC236}">
-                <a16:creationId xmlns:a16="http://schemas.microsoft.com/office/drawing/2014/main" id="{3CE0780E-DF35-71CF-75C8-086359014123}"/>
-              </a:ext>
-            </a:extLst>
-          </p:cNvPr>
-          <p:cNvSpPr>
-            <a:spLocks noGrp="1"/>
-          </p:cNvSpPr>
-          <p:nvPr>
-            <p:ph idx="1"/>
-          </p:nvPr>
-        </p:nvSpPr>
-        <p:spPr/>
-        <p:txBody>
-          <a:bodyPr>
-            <a:normAutofit fontScale="92500" lnSpcReduction="10000"/>
-          </a:bodyPr>
-          <a:lstStyle/>
-          <a:p>
-            <a:r>
-              <a:rPr lang="en-US" altLang="ko-KR" dirty="0"/>
-              <a:t>Introduction</a:t>
-            </a:r>
-          </a:p>
-          <a:p>
-            <a:endParaRPr lang="en-US" altLang="ko-KR" dirty="0"/>
-          </a:p>
-          <a:p>
-            <a:r>
-              <a:rPr lang="en-US" altLang="ko-KR" dirty="0"/>
-              <a:t>Background</a:t>
-            </a:r>
-          </a:p>
-          <a:p>
-            <a:endParaRPr lang="en-US" altLang="ko-KR" dirty="0"/>
-          </a:p>
-          <a:p>
-            <a:r>
-              <a:rPr lang="en-US" altLang="ko-KR" dirty="0"/>
-              <a:t>System Model</a:t>
-            </a:r>
-          </a:p>
-          <a:p>
-            <a:endParaRPr lang="en-US" altLang="ko-KR" dirty="0"/>
-          </a:p>
-          <a:p>
-            <a:r>
-              <a:rPr lang="en-US" altLang="ko-KR" dirty="0"/>
-              <a:t>Results</a:t>
-            </a:r>
-          </a:p>
-          <a:p>
-            <a:endParaRPr lang="en-US" altLang="ko-KR" dirty="0"/>
-          </a:p>
-          <a:p>
-            <a:r>
-              <a:rPr lang="en-US" altLang="ko-KR" dirty="0"/>
-              <a:t>Conclusion</a:t>
-            </a:r>
-            <a:endParaRPr lang="ko-KR" altLang="en-US" dirty="0"/>
-          </a:p>
-          <a:p>
-            <a:pPr marL="0" indent="0">
-              <a:buNone/>
-            </a:pPr>
-            <a:endParaRPr lang="en-US" altLang="ko-KR" dirty="0"/>
-          </a:p>
-          <a:p>
-            <a:pPr marL="0" indent="0">
-              <a:buNone/>
-            </a:pPr>
-            <a:endParaRPr lang="ko-KR" altLang="en-US" dirty="0"/>
-          </a:p>
-        </p:txBody>
-      </p:sp>
-      <p:sp>
-        <p:nvSpPr>
-          <p:cNvPr id="3" name="텍스트 개체 틀 2">
-            <a:extLst>
-              <a:ext uri="{FF2B5EF4-FFF2-40B4-BE49-F238E27FC236}">
-                <a16:creationId xmlns:a16="http://schemas.microsoft.com/office/drawing/2014/main" id="{1CA216A3-08BB-36F9-9BB8-21CEBAE73EE8}"/>
+                <a16:creationId xmlns:a16="http://schemas.microsoft.com/office/drawing/2014/main" id="{3E810533-FC9D-39CC-6D6A-6AA53E93E6EC}"/>
               </a:ext>
             </a:extLst>
           </p:cNvPr>
@@ -9631,7 +9223,7 @@
           <a:p>
             <a:r>
               <a:rPr lang="en-US" altLang="ko-KR" dirty="0"/>
-              <a:t>Contents</a:t>
+              <a:t>Results</a:t>
             </a:r>
             <a:endParaRPr lang="ko-KR" altLang="en-US" dirty="0"/>
           </a:p>
@@ -9639,10 +9231,10 @@
       </p:sp>
       <p:sp>
         <p:nvSpPr>
-          <p:cNvPr id="4" name="슬라이드 번호 개체 틀 3">
+          <p:cNvPr id="4" name="Slide Number Placeholder 3">
             <a:extLst>
               <a:ext uri="{FF2B5EF4-FFF2-40B4-BE49-F238E27FC236}">
-                <a16:creationId xmlns:a16="http://schemas.microsoft.com/office/drawing/2014/main" id="{6EB08373-213A-14E6-0351-19DA5B50B985}"/>
+                <a16:creationId xmlns:a16="http://schemas.microsoft.com/office/drawing/2014/main" id="{2EE4345D-5CEC-3894-F2D4-A4B17DCA5CA7}"/>
               </a:ext>
             </a:extLst>
           </p:cNvPr>
@@ -9693,147 +9285,7 @@
                 <a:buNone/>
                 <a:defRPr/>
               </a:pPr>
-              <a:t>2</a:t>
-            </a:fld>
-            <a:endParaRPr kumimoji="0" lang="ko-KR" altLang="en-US" sz="1100" b="0" i="0" u="none" strike="noStrike" kern="1200" cap="none" spc="0" normalizeH="0" baseline="0">
-              <a:solidFill>
-                <a:srgbClr val="000000"/>
-              </a:solidFill>
-              <a:latin typeface="Segoe UI Semibold"/>
-              <a:ea typeface="맑은 고딕"/>
-              <a:cs typeface="Segoe UI Semibold"/>
-            </a:endParaRPr>
-          </a:p>
-        </p:txBody>
-      </p:sp>
-    </p:spTree>
-    <p:extLst>
-      <p:ext uri="{BB962C8B-B14F-4D97-AF65-F5344CB8AC3E}">
-        <p14:creationId xmlns:p14="http://schemas.microsoft.com/office/powerpoint/2010/main" val="2539699869"/>
-      </p:ext>
-    </p:extLst>
-  </p:cSld>
-  <p:clrMapOvr>
-    <a:masterClrMapping/>
-  </p:clrMapOvr>
-  <p:transition/>
-</p:sld>
-</file>
-
-<file path=ppt/slides/slide20.xml><?xml version="1.0" encoding="utf-8"?>
-<p:sld xmlns:a="http://schemas.openxmlformats.org/drawingml/2006/main" xmlns:r="http://schemas.openxmlformats.org/officeDocument/2006/relationships" xmlns:p="http://schemas.openxmlformats.org/presentationml/2006/main">
-  <p:cSld>
-    <p:spTree>
-      <p:nvGrpSpPr>
-        <p:cNvPr id="1" name="">
-          <a:extLst>
-            <a:ext uri="{FF2B5EF4-FFF2-40B4-BE49-F238E27FC236}">
-              <a16:creationId xmlns:a16="http://schemas.microsoft.com/office/drawing/2014/main" id="{A25BD62F-4BB0-7059-7AA6-F8FB5C352976}"/>
-            </a:ext>
-          </a:extLst>
-        </p:cNvPr>
-        <p:cNvGrpSpPr/>
-        <p:nvPr/>
-      </p:nvGrpSpPr>
-      <p:grpSpPr>
-        <a:xfrm>
-          <a:off x="0" y="0"/>
-          <a:ext cx="0" cy="0"/>
-          <a:chOff x="0" y="0"/>
-          <a:chExt cx="0" cy="0"/>
-        </a:xfrm>
-      </p:grpSpPr>
-      <p:sp>
-        <p:nvSpPr>
-          <p:cNvPr id="3" name="Text Placeholder 2">
-            <a:extLst>
-              <a:ext uri="{FF2B5EF4-FFF2-40B4-BE49-F238E27FC236}">
-                <a16:creationId xmlns:a16="http://schemas.microsoft.com/office/drawing/2014/main" id="{3E810533-FC9D-39CC-6D6A-6AA53E93E6EC}"/>
-              </a:ext>
-            </a:extLst>
-          </p:cNvPr>
-          <p:cNvSpPr>
-            <a:spLocks noGrp="1"/>
-          </p:cNvSpPr>
-          <p:nvPr>
-            <p:ph type="body" sz="quarter" idx="13"/>
-          </p:nvPr>
-        </p:nvSpPr>
-        <p:spPr>
-          <a:xfrm>
-            <a:off x="554460" y="653826"/>
-            <a:ext cx="10794130" cy="387798"/>
-          </a:xfrm>
-        </p:spPr>
-        <p:txBody>
-          <a:bodyPr/>
-          <a:lstStyle/>
-          <a:p>
-            <a:r>
-              <a:rPr lang="en-US" altLang="ko-KR" dirty="0"/>
-              <a:t>Results</a:t>
-            </a:r>
-            <a:endParaRPr lang="ko-KR" altLang="en-US" dirty="0"/>
-          </a:p>
-        </p:txBody>
-      </p:sp>
-      <p:sp>
-        <p:nvSpPr>
-          <p:cNvPr id="4" name="Slide Number Placeholder 3">
-            <a:extLst>
-              <a:ext uri="{FF2B5EF4-FFF2-40B4-BE49-F238E27FC236}">
-                <a16:creationId xmlns:a16="http://schemas.microsoft.com/office/drawing/2014/main" id="{2EE4345D-5CEC-3894-F2D4-A4B17DCA5CA7}"/>
-              </a:ext>
-            </a:extLst>
-          </p:cNvPr>
-          <p:cNvSpPr>
-            <a:spLocks noGrp="1"/>
-          </p:cNvSpPr>
-          <p:nvPr>
-            <p:ph type="sldNum" sz="quarter" idx="10"/>
-          </p:nvPr>
-        </p:nvSpPr>
-        <p:spPr/>
-        <p:txBody>
-          <a:bodyPr/>
-          <a:lstStyle/>
-          <a:p>
-            <a:pPr marL="0" lvl="0" indent="0" algn="l" defTabSz="914400" rtl="0" eaLnBrk="1" latinLnBrk="1" hangingPunct="1">
-              <a:lnSpc>
-                <a:spcPct val="100000"/>
-              </a:lnSpc>
-              <a:spcBef>
-                <a:spcPct val="0"/>
-              </a:spcBef>
-              <a:spcAft>
-                <a:spcPts val="0"/>
-              </a:spcAft>
-              <a:buNone/>
-              <a:defRPr/>
-            </a:pPr>
-            <a:fld id="{B08FFF47-F7C8-4417-B66B-1876CACD7C6F}" type="slidenum">
-              <a:rPr kumimoji="0" lang="ko-KR" altLang="en-US" sz="1100" b="0" i="0" u="none" strike="noStrike" kern="1200" cap="none" spc="0" normalizeH="0" baseline="0" smtClean="0">
-                <a:solidFill>
-                  <a:srgbClr val="000000"/>
-                </a:solidFill>
-                <a:latin typeface="Segoe UI Semibold"/>
-                <a:ea typeface="맑은 고딕"/>
-                <a:cs typeface="Segoe UI Semibold"/>
-              </a:rPr>
-              <a:pPr marL="0" lvl="0" indent="0" algn="l" defTabSz="914400" rtl="0" eaLnBrk="1" latinLnBrk="1" hangingPunct="1">
-                <a:lnSpc>
-                  <a:spcPct val="100000"/>
-                </a:lnSpc>
-                <a:spcBef>
-                  <a:spcPct val="0"/>
-                </a:spcBef>
-                <a:spcAft>
-                  <a:spcPts val="0"/>
-                </a:spcAft>
-                <a:buNone/>
-                <a:defRPr/>
-              </a:pPr>
-              <a:t>20</a:t>
+              <a:t>19</a:t>
             </a:fld>
             <a:endParaRPr kumimoji="0" lang="ko-KR" altLang="en-US" sz="1100" b="0" i="0" u="none" strike="noStrike" kern="1200" cap="none" spc="0" normalizeH="0" baseline="0" dirty="0">
               <a:solidFill>
@@ -10019,7 +9471,226 @@
 </p:sld>
 </file>
 
-<file path=ppt/slides/slide21.xml><?xml version="1.0" encoding="utf-8"?>
+<file path=ppt/slides/slide2.xml><?xml version="1.0" encoding="utf-8"?>
+<p:sld xmlns:a="http://schemas.openxmlformats.org/drawingml/2006/main" xmlns:r="http://schemas.openxmlformats.org/officeDocument/2006/relationships" xmlns:p="http://schemas.openxmlformats.org/presentationml/2006/main">
+  <p:cSld>
+    <p:spTree>
+      <p:nvGrpSpPr>
+        <p:cNvPr id="1" name="">
+          <a:extLst>
+            <a:ext uri="{FF2B5EF4-FFF2-40B4-BE49-F238E27FC236}">
+              <a16:creationId xmlns:a16="http://schemas.microsoft.com/office/drawing/2014/main" id="{A111E36A-9044-CEE5-9D33-1A784ED41C42}"/>
+            </a:ext>
+          </a:extLst>
+        </p:cNvPr>
+        <p:cNvGrpSpPr/>
+        <p:nvPr/>
+      </p:nvGrpSpPr>
+      <p:grpSpPr>
+        <a:xfrm>
+          <a:off x="0" y="0"/>
+          <a:ext cx="0" cy="0"/>
+          <a:chOff x="0" y="0"/>
+          <a:chExt cx="0" cy="0"/>
+        </a:xfrm>
+      </p:grpSpPr>
+      <p:sp>
+        <p:nvSpPr>
+          <p:cNvPr id="2" name="내용 개체 틀 1">
+            <a:extLst>
+              <a:ext uri="{FF2B5EF4-FFF2-40B4-BE49-F238E27FC236}">
+                <a16:creationId xmlns:a16="http://schemas.microsoft.com/office/drawing/2014/main" id="{3CE0780E-DF35-71CF-75C8-086359014123}"/>
+              </a:ext>
+            </a:extLst>
+          </p:cNvPr>
+          <p:cNvSpPr>
+            <a:spLocks noGrp="1"/>
+          </p:cNvSpPr>
+          <p:nvPr>
+            <p:ph idx="1"/>
+          </p:nvPr>
+        </p:nvSpPr>
+        <p:spPr/>
+        <p:txBody>
+          <a:bodyPr>
+            <a:normAutofit fontScale="92500" lnSpcReduction="10000"/>
+          </a:bodyPr>
+          <a:lstStyle/>
+          <a:p>
+            <a:r>
+              <a:rPr lang="en-US" altLang="ko-KR" dirty="0"/>
+              <a:t>Introduction</a:t>
+            </a:r>
+          </a:p>
+          <a:p>
+            <a:endParaRPr lang="en-US" altLang="ko-KR" dirty="0"/>
+          </a:p>
+          <a:p>
+            <a:r>
+              <a:rPr lang="en-US" altLang="ko-KR" dirty="0"/>
+              <a:t>Background</a:t>
+            </a:r>
+          </a:p>
+          <a:p>
+            <a:endParaRPr lang="en-US" altLang="ko-KR" dirty="0"/>
+          </a:p>
+          <a:p>
+            <a:r>
+              <a:rPr lang="en-US" altLang="ko-KR" dirty="0"/>
+              <a:t>System Model</a:t>
+            </a:r>
+          </a:p>
+          <a:p>
+            <a:endParaRPr lang="en-US" altLang="ko-KR" dirty="0"/>
+          </a:p>
+          <a:p>
+            <a:r>
+              <a:rPr lang="en-US" altLang="ko-KR" dirty="0"/>
+              <a:t>Results</a:t>
+            </a:r>
+          </a:p>
+          <a:p>
+            <a:endParaRPr lang="en-US" altLang="ko-KR" dirty="0"/>
+          </a:p>
+          <a:p>
+            <a:r>
+              <a:rPr lang="en-US" altLang="ko-KR" dirty="0"/>
+              <a:t>Conclusion</a:t>
+            </a:r>
+            <a:endParaRPr lang="ko-KR" altLang="en-US" dirty="0"/>
+          </a:p>
+          <a:p>
+            <a:pPr marL="0" indent="0">
+              <a:buNone/>
+            </a:pPr>
+            <a:endParaRPr lang="en-US" altLang="ko-KR" dirty="0"/>
+          </a:p>
+          <a:p>
+            <a:pPr marL="0" indent="0">
+              <a:buNone/>
+            </a:pPr>
+            <a:endParaRPr lang="ko-KR" altLang="en-US" dirty="0"/>
+          </a:p>
+        </p:txBody>
+      </p:sp>
+      <p:sp>
+        <p:nvSpPr>
+          <p:cNvPr id="3" name="텍스트 개체 틀 2">
+            <a:extLst>
+              <a:ext uri="{FF2B5EF4-FFF2-40B4-BE49-F238E27FC236}">
+                <a16:creationId xmlns:a16="http://schemas.microsoft.com/office/drawing/2014/main" id="{1CA216A3-08BB-36F9-9BB8-21CEBAE73EE8}"/>
+              </a:ext>
+            </a:extLst>
+          </p:cNvPr>
+          <p:cNvSpPr>
+            <a:spLocks noGrp="1"/>
+          </p:cNvSpPr>
+          <p:nvPr>
+            <p:ph type="body" sz="quarter" idx="13"/>
+          </p:nvPr>
+        </p:nvSpPr>
+        <p:spPr>
+          <a:xfrm>
+            <a:off x="554460" y="653826"/>
+            <a:ext cx="10794130" cy="387798"/>
+          </a:xfrm>
+        </p:spPr>
+        <p:txBody>
+          <a:bodyPr/>
+          <a:lstStyle/>
+          <a:p>
+            <a:r>
+              <a:rPr lang="en-US" altLang="ko-KR" dirty="0"/>
+              <a:t>Contents</a:t>
+            </a:r>
+            <a:endParaRPr lang="ko-KR" altLang="en-US" dirty="0"/>
+          </a:p>
+        </p:txBody>
+      </p:sp>
+      <p:sp>
+        <p:nvSpPr>
+          <p:cNvPr id="4" name="슬라이드 번호 개체 틀 3">
+            <a:extLst>
+              <a:ext uri="{FF2B5EF4-FFF2-40B4-BE49-F238E27FC236}">
+                <a16:creationId xmlns:a16="http://schemas.microsoft.com/office/drawing/2014/main" id="{6EB08373-213A-14E6-0351-19DA5B50B985}"/>
+              </a:ext>
+            </a:extLst>
+          </p:cNvPr>
+          <p:cNvSpPr>
+            <a:spLocks noGrp="1"/>
+          </p:cNvSpPr>
+          <p:nvPr>
+            <p:ph type="sldNum" sz="quarter" idx="10"/>
+          </p:nvPr>
+        </p:nvSpPr>
+        <p:spPr/>
+        <p:txBody>
+          <a:bodyPr/>
+          <a:lstStyle/>
+          <a:p>
+            <a:pPr marL="0" lvl="0" indent="0" algn="l" defTabSz="914400" rtl="0" eaLnBrk="1" latinLnBrk="1" hangingPunct="1">
+              <a:lnSpc>
+                <a:spcPct val="100000"/>
+              </a:lnSpc>
+              <a:spcBef>
+                <a:spcPct val="0"/>
+              </a:spcBef>
+              <a:spcAft>
+                <a:spcPts val="0"/>
+              </a:spcAft>
+              <a:buNone/>
+              <a:defRPr/>
+            </a:pPr>
+            <a:fld id="{B08FFF47-F7C8-4417-B66B-1876CACD7C6F}" type="slidenum">
+              <a:rPr kumimoji="0" lang="ko-KR" altLang="en-US" sz="1100" b="0" i="0" u="none" strike="noStrike" kern="1200" cap="none" spc="0" normalizeH="0" baseline="0" smtClean="0">
+                <a:solidFill>
+                  <a:srgbClr val="000000"/>
+                </a:solidFill>
+                <a:latin typeface="Segoe UI Semibold"/>
+                <a:ea typeface="맑은 고딕"/>
+                <a:cs typeface="Segoe UI Semibold"/>
+              </a:rPr>
+              <a:pPr marL="0" lvl="0" indent="0" algn="l" defTabSz="914400" rtl="0" eaLnBrk="1" latinLnBrk="1" hangingPunct="1">
+                <a:lnSpc>
+                  <a:spcPct val="100000"/>
+                </a:lnSpc>
+                <a:spcBef>
+                  <a:spcPct val="0"/>
+                </a:spcBef>
+                <a:spcAft>
+                  <a:spcPts val="0"/>
+                </a:spcAft>
+                <a:buNone/>
+                <a:defRPr/>
+              </a:pPr>
+              <a:t>2</a:t>
+            </a:fld>
+            <a:endParaRPr kumimoji="0" lang="ko-KR" altLang="en-US" sz="1100" b="0" i="0" u="none" strike="noStrike" kern="1200" cap="none" spc="0" normalizeH="0" baseline="0">
+              <a:solidFill>
+                <a:srgbClr val="000000"/>
+              </a:solidFill>
+              <a:latin typeface="Segoe UI Semibold"/>
+              <a:ea typeface="맑은 고딕"/>
+              <a:cs typeface="Segoe UI Semibold"/>
+            </a:endParaRPr>
+          </a:p>
+        </p:txBody>
+      </p:sp>
+    </p:spTree>
+    <p:extLst>
+      <p:ext uri="{BB962C8B-B14F-4D97-AF65-F5344CB8AC3E}">
+        <p14:creationId xmlns:p14="http://schemas.microsoft.com/office/powerpoint/2010/main" val="2539699869"/>
+      </p:ext>
+    </p:extLst>
+  </p:cSld>
+  <p:clrMapOvr>
+    <a:masterClrMapping/>
+  </p:clrMapOvr>
+  <p:transition/>
+</p:sld>
+</file>
+
+<file path=ppt/slides/slide20.xml><?xml version="1.0" encoding="utf-8"?>
 <p:sld xmlns:a="http://schemas.openxmlformats.org/drawingml/2006/main" xmlns:r="http://schemas.openxmlformats.org/officeDocument/2006/relationships" xmlns:p="http://schemas.openxmlformats.org/presentationml/2006/main">
   <p:cSld>
     <p:spTree>
@@ -10056,7 +9727,7 @@
             </a:pPr>
             <a:r>
               <a:rPr lang="en-US" altLang="ko-KR" dirty="0"/>
-              <a:t>Discussion and Conclusion</a:t>
+              <a:t>Conclusion</a:t>
             </a:r>
           </a:p>
         </p:txBody>
@@ -10111,7 +9782,7 @@
                 <a:buNone/>
                 <a:defRPr/>
               </a:pPr>
-              <a:t>21</a:t>
+              <a:t>20</a:t>
             </a:fld>
             <a:endParaRPr kumimoji="0" lang="en-US" altLang="en-US" sz="1100" b="0" i="0" u="none" strike="noStrike" kern="1200" cap="none" spc="0" normalizeH="0" baseline="0">
               <a:solidFill>
@@ -10137,6 +9808,185 @@
       <p:transition/>
     </mc:Fallback>
   </mc:AlternateContent>
+</p:sld>
+</file>
+
+<file path=ppt/slides/slide21.xml><?xml version="1.0" encoding="utf-8"?>
+<p:sld xmlns:a="http://schemas.openxmlformats.org/drawingml/2006/main" xmlns:r="http://schemas.openxmlformats.org/officeDocument/2006/relationships" xmlns:p="http://schemas.openxmlformats.org/presentationml/2006/main">
+  <p:cSld>
+    <p:spTree>
+      <p:nvGrpSpPr>
+        <p:cNvPr id="1" name=""/>
+        <p:cNvGrpSpPr/>
+        <p:nvPr/>
+      </p:nvGrpSpPr>
+      <p:grpSpPr>
+        <a:xfrm>
+          <a:off x="0" y="0"/>
+          <a:ext cx="0" cy="0"/>
+          <a:chOff x="0" y="0"/>
+          <a:chExt cx="0" cy="0"/>
+        </a:xfrm>
+      </p:grpSpPr>
+      <p:sp>
+        <p:nvSpPr>
+          <p:cNvPr id="2" name="Content Placeholder 1">
+            <a:extLst>
+              <a:ext uri="{FF2B5EF4-FFF2-40B4-BE49-F238E27FC236}">
+                <a16:creationId xmlns:a16="http://schemas.microsoft.com/office/drawing/2014/main" id="{841C424A-F615-90A6-9A3F-E08C339D3056}"/>
+              </a:ext>
+            </a:extLst>
+          </p:cNvPr>
+          <p:cNvSpPr>
+            <a:spLocks noGrp="1"/>
+          </p:cNvSpPr>
+          <p:nvPr>
+            <p:ph idx="1"/>
+          </p:nvPr>
+        </p:nvSpPr>
+        <p:spPr/>
+        <p:txBody>
+          <a:bodyPr/>
+          <a:lstStyle/>
+          <a:p>
+            <a:r>
+              <a:rPr lang="en-US" altLang="ko-KR" dirty="0"/>
+              <a:t>This work proposes a novel semantic communication framework that fuses open-vocabulary vision–language segmentation with transformer-based compression.</a:t>
+            </a:r>
+          </a:p>
+          <a:p>
+            <a:r>
+              <a:rPr lang="en-US" altLang="ko-KR" dirty="0"/>
+              <a:t>We build on recent advances in open-vocabulary segmentation, which leverage large pre-trained vision–language models to break away from fixed label sets and segment arbitrary categories described by text prompts.</a:t>
+            </a:r>
+          </a:p>
+          <a:p>
+            <a:r>
+              <a:rPr lang="en-US" altLang="ko-KR" dirty="0"/>
+              <a:t>But merging these models with the same scale can </a:t>
+            </a:r>
+            <a:r>
+              <a:rPr lang="en-US" altLang="ko-KR"/>
+              <a:t>be a challenge.</a:t>
+            </a:r>
+            <a:endParaRPr lang="en-US" altLang="ko-KR" dirty="0"/>
+          </a:p>
+        </p:txBody>
+      </p:sp>
+      <p:sp>
+        <p:nvSpPr>
+          <p:cNvPr id="3" name="Text Placeholder 2">
+            <a:extLst>
+              <a:ext uri="{FF2B5EF4-FFF2-40B4-BE49-F238E27FC236}">
+                <a16:creationId xmlns:a16="http://schemas.microsoft.com/office/drawing/2014/main" id="{F5B85194-514E-F8EE-A057-4B7AE7B4CBB4}"/>
+              </a:ext>
+            </a:extLst>
+          </p:cNvPr>
+          <p:cNvSpPr>
+            <a:spLocks noGrp="1"/>
+          </p:cNvSpPr>
+          <p:nvPr>
+            <p:ph type="body" sz="quarter" idx="13"/>
+          </p:nvPr>
+        </p:nvSpPr>
+        <p:spPr>
+          <a:xfrm>
+            <a:off x="554460" y="653826"/>
+            <a:ext cx="10794130" cy="387798"/>
+          </a:xfrm>
+        </p:spPr>
+        <p:txBody>
+          <a:bodyPr/>
+          <a:lstStyle/>
+          <a:p>
+            <a:r>
+              <a:rPr lang="en-US" altLang="ko-KR" dirty="0"/>
+              <a:t>Conclusion</a:t>
+            </a:r>
+            <a:endParaRPr lang="ko-KR" altLang="en-US" dirty="0"/>
+          </a:p>
+        </p:txBody>
+      </p:sp>
+      <p:sp>
+        <p:nvSpPr>
+          <p:cNvPr id="4" name="Slide Number Placeholder 3">
+            <a:extLst>
+              <a:ext uri="{FF2B5EF4-FFF2-40B4-BE49-F238E27FC236}">
+                <a16:creationId xmlns:a16="http://schemas.microsoft.com/office/drawing/2014/main" id="{129F2103-F3A2-FC76-32A4-0255C8C50AEA}"/>
+              </a:ext>
+            </a:extLst>
+          </p:cNvPr>
+          <p:cNvSpPr>
+            <a:spLocks noGrp="1"/>
+          </p:cNvSpPr>
+          <p:nvPr>
+            <p:ph type="sldNum" sz="quarter" idx="10"/>
+          </p:nvPr>
+        </p:nvSpPr>
+        <p:spPr/>
+        <p:txBody>
+          <a:bodyPr/>
+          <a:lstStyle/>
+          <a:p>
+            <a:pPr marL="0" lvl="0" indent="0" algn="l" defTabSz="914400" rtl="0" eaLnBrk="1" latinLnBrk="1" hangingPunct="1">
+              <a:lnSpc>
+                <a:spcPct val="100000"/>
+              </a:lnSpc>
+              <a:spcBef>
+                <a:spcPct val="0"/>
+              </a:spcBef>
+              <a:spcAft>
+                <a:spcPts val="0"/>
+              </a:spcAft>
+              <a:buNone/>
+              <a:defRPr/>
+            </a:pPr>
+            <a:fld id="{B08FFF47-F7C8-4417-B66B-1876CACD7C6F}" type="slidenum">
+              <a:rPr kumimoji="0" lang="ko-KR" altLang="en-US" sz="1100" b="0" i="0" u="none" strike="noStrike" kern="1200" cap="none" spc="0" normalizeH="0" baseline="0" smtClean="0">
+                <a:solidFill>
+                  <a:srgbClr val="000000"/>
+                </a:solidFill>
+                <a:latin typeface="Segoe UI Semibold"/>
+                <a:ea typeface="맑은 고딕"/>
+                <a:cs typeface="Segoe UI Semibold"/>
+              </a:rPr>
+              <a:pPr marL="0" lvl="0" indent="0" algn="l" defTabSz="914400" rtl="0" eaLnBrk="1" latinLnBrk="1" hangingPunct="1">
+                <a:lnSpc>
+                  <a:spcPct val="100000"/>
+                </a:lnSpc>
+                <a:spcBef>
+                  <a:spcPct val="0"/>
+                </a:spcBef>
+                <a:spcAft>
+                  <a:spcPts val="0"/>
+                </a:spcAft>
+                <a:buNone/>
+                <a:defRPr/>
+              </a:pPr>
+              <a:t>21</a:t>
+            </a:fld>
+            <a:endParaRPr kumimoji="0" lang="ko-KR" altLang="en-US" sz="1100" b="0" i="0" u="none" strike="noStrike" kern="1200" cap="none" spc="0" normalizeH="0" baseline="0" dirty="0">
+              <a:solidFill>
+                <a:srgbClr val="000000"/>
+              </a:solidFill>
+              <a:latin typeface="Segoe UI Semibold"/>
+              <a:ea typeface="맑은 고딕"/>
+              <a:cs typeface="Segoe UI Semibold"/>
+            </a:endParaRPr>
+          </a:p>
+        </p:txBody>
+      </p:sp>
+    </p:spTree>
+    <p:extLst>
+      <p:ext uri="{BB962C8B-B14F-4D97-AF65-F5344CB8AC3E}">
+        <p14:creationId xmlns:p14="http://schemas.microsoft.com/office/powerpoint/2010/main" val="2829569701"/>
+      </p:ext>
+    </p:extLst>
+  </p:cSld>
+  <p:clrMapOvr>
+    <a:masterClrMapping/>
+  </p:clrMapOvr>
+  <p:transition/>
 </p:sld>
 </file>
 
@@ -10193,7 +10043,7 @@
             <a:pPr lvl="1"/>
             <a:r>
               <a:rPr lang="en-US" altLang="ko-KR" dirty="0"/>
-              <a:t>Extend to multimodal data (e.g., text and images together).</a:t>
+              <a:t>Extend to other multimodal data (e.g., eye-tracking and images together).</a:t>
             </a:r>
           </a:p>
           <a:p>
@@ -10267,7 +10117,7 @@
           <a:p>
             <a:r>
               <a:rPr lang="en-US" altLang="ko-KR" dirty="0"/>
-              <a:t>Discussion</a:t>
+              <a:t>Conclusion</a:t>
             </a:r>
           </a:p>
         </p:txBody>
@@ -10355,12 +10205,18 @@
 </p:sld>
 </file>
 
-<file path=ppt/slides/slide23.xml><?xml version="1.0" encoding="utf-8"?>
+<file path=ppt/slides/slide3.xml><?xml version="1.0" encoding="utf-8"?>
 <p:sld xmlns:a="http://schemas.openxmlformats.org/drawingml/2006/main" xmlns:r="http://schemas.openxmlformats.org/officeDocument/2006/relationships" xmlns:p="http://schemas.openxmlformats.org/presentationml/2006/main">
   <p:cSld>
     <p:spTree>
       <p:nvGrpSpPr>
-        <p:cNvPr id="1" name=""/>
+        <p:cNvPr id="1" name="">
+          <a:extLst>
+            <a:ext uri="{FF2B5EF4-FFF2-40B4-BE49-F238E27FC236}">
+              <a16:creationId xmlns:a16="http://schemas.microsoft.com/office/drawing/2014/main" id="{4F9EC33A-AD4A-4A87-FB41-38BF0E1068B1}"/>
+            </a:ext>
+          </a:extLst>
+        </p:cNvPr>
         <p:cNvGrpSpPr/>
         <p:nvPr/>
       </p:nvGrpSpPr>
@@ -10374,10 +10230,10 @@
       </p:grpSpPr>
       <p:sp>
         <p:nvSpPr>
-          <p:cNvPr id="2" name="Content Placeholder 1">
+          <p:cNvPr id="2" name="제목 1">
             <a:extLst>
               <a:ext uri="{FF2B5EF4-FFF2-40B4-BE49-F238E27FC236}">
-                <a16:creationId xmlns:a16="http://schemas.microsoft.com/office/drawing/2014/main" id="{841C424A-F615-90A6-9A3F-E08C339D3056}"/>
+                <a16:creationId xmlns:a16="http://schemas.microsoft.com/office/drawing/2014/main" id="{F6815389-1951-CDFF-73C5-F2E93670FD9B}"/>
               </a:ext>
             </a:extLst>
           </p:cNvPr>
@@ -10385,7 +10241,7 @@
             <a:spLocks noGrp="1"/>
           </p:cNvSpPr>
           <p:nvPr>
-            <p:ph idx="1"/>
+            <p:ph type="title"/>
           </p:nvPr>
         </p:nvSpPr>
         <p:spPr/>
@@ -10395,230 +10251,17 @@
           <a:p>
             <a:r>
               <a:rPr lang="en-US" altLang="ko-KR" dirty="0"/>
-              <a:t>This work proposes a novel semantic communication framework that fuses open-vocabulary vision–language segmentation with transformer-based compression.</a:t>
-            </a:r>
-          </a:p>
-          <a:p>
-            <a:r>
-              <a:rPr lang="en-US" altLang="ko-KR" dirty="0"/>
-              <a:t>We build on recent advances in open-vocabulary segmentation, which leverage large pre-trained vision–language models to break away from fixed label sets and segment arbitrary categories described by text prompts.</a:t>
-            </a:r>
-          </a:p>
-        </p:txBody>
-      </p:sp>
-      <p:sp>
-        <p:nvSpPr>
-          <p:cNvPr id="3" name="Text Placeholder 2">
+              <a:t>Introduction</a:t>
+            </a:r>
+          </a:p>
+        </p:txBody>
+      </p:sp>
+      <p:sp>
+        <p:nvSpPr>
+          <p:cNvPr id="3" name="슬라이드 번호 개체 틀 2">
             <a:extLst>
               <a:ext uri="{FF2B5EF4-FFF2-40B4-BE49-F238E27FC236}">
-                <a16:creationId xmlns:a16="http://schemas.microsoft.com/office/drawing/2014/main" id="{F5B85194-514E-F8EE-A057-4B7AE7B4CBB4}"/>
-              </a:ext>
-            </a:extLst>
-          </p:cNvPr>
-          <p:cNvSpPr>
-            <a:spLocks noGrp="1"/>
-          </p:cNvSpPr>
-          <p:nvPr>
-            <p:ph type="body" sz="quarter" idx="13"/>
-          </p:nvPr>
-        </p:nvSpPr>
-        <p:spPr>
-          <a:xfrm>
-            <a:off x="554460" y="653826"/>
-            <a:ext cx="10794130" cy="387798"/>
-          </a:xfrm>
-        </p:spPr>
-        <p:txBody>
-          <a:bodyPr/>
-          <a:lstStyle/>
-          <a:p>
-            <a:r>
-              <a:rPr lang="en-US" altLang="ko-KR" dirty="0"/>
-              <a:t>Conclusion</a:t>
-            </a:r>
-            <a:endParaRPr lang="ko-KR" altLang="en-US" dirty="0"/>
-          </a:p>
-        </p:txBody>
-      </p:sp>
-      <p:sp>
-        <p:nvSpPr>
-          <p:cNvPr id="4" name="Slide Number Placeholder 3">
-            <a:extLst>
-              <a:ext uri="{FF2B5EF4-FFF2-40B4-BE49-F238E27FC236}">
-                <a16:creationId xmlns:a16="http://schemas.microsoft.com/office/drawing/2014/main" id="{129F2103-F3A2-FC76-32A4-0255C8C50AEA}"/>
-              </a:ext>
-            </a:extLst>
-          </p:cNvPr>
-          <p:cNvSpPr>
-            <a:spLocks noGrp="1"/>
-          </p:cNvSpPr>
-          <p:nvPr>
-            <p:ph type="sldNum" sz="quarter" idx="10"/>
-          </p:nvPr>
-        </p:nvSpPr>
-        <p:spPr/>
-        <p:txBody>
-          <a:bodyPr/>
-          <a:lstStyle/>
-          <a:p>
-            <a:pPr marL="0" lvl="0" indent="0" algn="l" defTabSz="914400" rtl="0" eaLnBrk="1" latinLnBrk="1" hangingPunct="1">
-              <a:lnSpc>
-                <a:spcPct val="100000"/>
-              </a:lnSpc>
-              <a:spcBef>
-                <a:spcPct val="0"/>
-              </a:spcBef>
-              <a:spcAft>
-                <a:spcPts val="0"/>
-              </a:spcAft>
-              <a:buNone/>
-              <a:defRPr/>
-            </a:pPr>
-            <a:fld id="{B08FFF47-F7C8-4417-B66B-1876CACD7C6F}" type="slidenum">
-              <a:rPr kumimoji="0" lang="ko-KR" altLang="en-US" sz="1100" b="0" i="0" u="none" strike="noStrike" kern="1200" cap="none" spc="0" normalizeH="0" baseline="0" smtClean="0">
-                <a:solidFill>
-                  <a:srgbClr val="000000"/>
-                </a:solidFill>
-                <a:latin typeface="Segoe UI Semibold"/>
-                <a:ea typeface="맑은 고딕"/>
-                <a:cs typeface="Segoe UI Semibold"/>
-              </a:rPr>
-              <a:pPr marL="0" lvl="0" indent="0" algn="l" defTabSz="914400" rtl="0" eaLnBrk="1" latinLnBrk="1" hangingPunct="1">
-                <a:lnSpc>
-                  <a:spcPct val="100000"/>
-                </a:lnSpc>
-                <a:spcBef>
-                  <a:spcPct val="0"/>
-                </a:spcBef>
-                <a:spcAft>
-                  <a:spcPts val="0"/>
-                </a:spcAft>
-                <a:buNone/>
-                <a:defRPr/>
-              </a:pPr>
-              <a:t>23</a:t>
-            </a:fld>
-            <a:endParaRPr kumimoji="0" lang="ko-KR" altLang="en-US" sz="1100" b="0" i="0" u="none" strike="noStrike" kern="1200" cap="none" spc="0" normalizeH="0" baseline="0" dirty="0">
-              <a:solidFill>
-                <a:srgbClr val="000000"/>
-              </a:solidFill>
-              <a:latin typeface="Segoe UI Semibold"/>
-              <a:ea typeface="맑은 고딕"/>
-              <a:cs typeface="Segoe UI Semibold"/>
-            </a:endParaRPr>
-          </a:p>
-        </p:txBody>
-      </p:sp>
-    </p:spTree>
-    <p:extLst>
-      <p:ext uri="{BB962C8B-B14F-4D97-AF65-F5344CB8AC3E}">
-        <p14:creationId xmlns:p14="http://schemas.microsoft.com/office/powerpoint/2010/main" val="2829569701"/>
-      </p:ext>
-    </p:extLst>
-  </p:cSld>
-  <p:clrMapOvr>
-    <a:masterClrMapping/>
-  </p:clrMapOvr>
-  <p:transition/>
-</p:sld>
-</file>
-
-<file path=ppt/slides/slide3.xml><?xml version="1.0" encoding="utf-8"?>
-<p:sld xmlns:a="http://schemas.openxmlformats.org/drawingml/2006/main" xmlns:r="http://schemas.openxmlformats.org/officeDocument/2006/relationships" xmlns:p="http://schemas.openxmlformats.org/presentationml/2006/main">
-  <p:cSld>
-    <p:spTree>
-      <p:nvGrpSpPr>
-        <p:cNvPr id="1" name=""/>
-        <p:cNvGrpSpPr/>
-        <p:nvPr/>
-      </p:nvGrpSpPr>
-      <p:grpSpPr>
-        <a:xfrm>
-          <a:off x="0" y="0"/>
-          <a:ext cx="0" cy="0"/>
-          <a:chOff x="0" y="0"/>
-          <a:chExt cx="0" cy="0"/>
-        </a:xfrm>
-      </p:grpSpPr>
-      <p:sp>
-        <p:nvSpPr>
-          <p:cNvPr id="2" name="Content Placeholder 1">
-            <a:extLst>
-              <a:ext uri="{FF2B5EF4-FFF2-40B4-BE49-F238E27FC236}">
-                <a16:creationId xmlns:a16="http://schemas.microsoft.com/office/drawing/2014/main" id="{9D91964C-7780-6521-B8DD-6F6171296E81}"/>
-              </a:ext>
-            </a:extLst>
-          </p:cNvPr>
-          <p:cNvSpPr>
-            <a:spLocks noGrp="1"/>
-          </p:cNvSpPr>
-          <p:nvPr>
-            <p:ph idx="1"/>
-          </p:nvPr>
-        </p:nvSpPr>
-        <p:spPr>
-          <a:xfrm>
-            <a:off x="547864" y="1456974"/>
-            <a:ext cx="11453635" cy="4719988"/>
-          </a:xfrm>
-        </p:spPr>
-        <p:txBody>
-          <a:bodyPr>
-            <a:normAutofit/>
-          </a:bodyPr>
-          <a:lstStyle/>
-          <a:p>
-            <a:r>
-              <a:rPr lang="en-US" altLang="ko-KR" b="1" dirty="0"/>
-              <a:t>Semantic communications </a:t>
-            </a:r>
-            <a:r>
-              <a:rPr lang="en-US" altLang="ko-KR" dirty="0"/>
-              <a:t>is to extract the “meanings” or “features” of sent information from a source and “interpret” the semantic information at a destination.</a:t>
-            </a:r>
-          </a:p>
-        </p:txBody>
-      </p:sp>
-      <p:sp>
-        <p:nvSpPr>
-          <p:cNvPr id="3" name="Text Placeholder 2">
-            <a:extLst>
-              <a:ext uri="{FF2B5EF4-FFF2-40B4-BE49-F238E27FC236}">
-                <a16:creationId xmlns:a16="http://schemas.microsoft.com/office/drawing/2014/main" id="{4A765D14-CE4A-42CC-2AEC-5568A936394A}"/>
-              </a:ext>
-            </a:extLst>
-          </p:cNvPr>
-          <p:cNvSpPr>
-            <a:spLocks noGrp="1"/>
-          </p:cNvSpPr>
-          <p:nvPr>
-            <p:ph type="body" sz="quarter" idx="13"/>
-          </p:nvPr>
-        </p:nvSpPr>
-        <p:spPr>
-          <a:xfrm>
-            <a:off x="554460" y="653826"/>
-            <a:ext cx="10794130" cy="387798"/>
-          </a:xfrm>
-        </p:spPr>
-        <p:txBody>
-          <a:bodyPr/>
-          <a:lstStyle/>
-          <a:p>
-            <a:r>
-              <a:rPr lang="en-US" altLang="ko-KR" dirty="0"/>
-              <a:t>Introduction</a:t>
-            </a:r>
-            <a:endParaRPr lang="ko-KR" altLang="en-US" dirty="0"/>
-          </a:p>
-        </p:txBody>
-      </p:sp>
-      <p:sp>
-        <p:nvSpPr>
-          <p:cNvPr id="4" name="Slide Number Placeholder 3">
-            <a:extLst>
-              <a:ext uri="{FF2B5EF4-FFF2-40B4-BE49-F238E27FC236}">
-                <a16:creationId xmlns:a16="http://schemas.microsoft.com/office/drawing/2014/main" id="{984B5DC2-2CE0-8BB1-02E8-78E302BBF2E4}"/>
+                <a16:creationId xmlns:a16="http://schemas.microsoft.com/office/drawing/2014/main" id="{96FF598F-3ADD-7FAD-339A-A1E43809E185}"/>
               </a:ext>
             </a:extLst>
           </p:cNvPr>
@@ -10670,6 +10313,179 @@
                 <a:defRPr/>
               </a:pPr>
               <a:t>3</a:t>
+            </a:fld>
+            <a:endParaRPr kumimoji="0" lang="ko-KR" altLang="en-US" sz="1100" b="0" i="0" u="none" strike="noStrike" kern="1200" cap="none" spc="0" normalizeH="0" baseline="0">
+              <a:solidFill>
+                <a:srgbClr val="000000"/>
+              </a:solidFill>
+              <a:latin typeface="Segoe UI Semibold"/>
+              <a:ea typeface="맑은 고딕"/>
+              <a:cs typeface="Segoe UI Semibold"/>
+            </a:endParaRPr>
+          </a:p>
+        </p:txBody>
+      </p:sp>
+    </p:spTree>
+    <p:extLst>
+      <p:ext uri="{BB962C8B-B14F-4D97-AF65-F5344CB8AC3E}">
+        <p14:creationId xmlns:p14="http://schemas.microsoft.com/office/powerpoint/2010/main" val="2864140116"/>
+      </p:ext>
+    </p:extLst>
+  </p:cSld>
+  <p:clrMapOvr>
+    <a:masterClrMapping/>
+  </p:clrMapOvr>
+  <p:transition/>
+</p:sld>
+</file>
+
+<file path=ppt/slides/slide4.xml><?xml version="1.0" encoding="utf-8"?>
+<p:sld xmlns:a="http://schemas.openxmlformats.org/drawingml/2006/main" xmlns:r="http://schemas.openxmlformats.org/officeDocument/2006/relationships" xmlns:p="http://schemas.openxmlformats.org/presentationml/2006/main">
+  <p:cSld>
+    <p:spTree>
+      <p:nvGrpSpPr>
+        <p:cNvPr id="1" name=""/>
+        <p:cNvGrpSpPr/>
+        <p:nvPr/>
+      </p:nvGrpSpPr>
+      <p:grpSpPr>
+        <a:xfrm>
+          <a:off x="0" y="0"/>
+          <a:ext cx="0" cy="0"/>
+          <a:chOff x="0" y="0"/>
+          <a:chExt cx="0" cy="0"/>
+        </a:xfrm>
+      </p:grpSpPr>
+      <p:sp>
+        <p:nvSpPr>
+          <p:cNvPr id="2" name="Content Placeholder 1">
+            <a:extLst>
+              <a:ext uri="{FF2B5EF4-FFF2-40B4-BE49-F238E27FC236}">
+                <a16:creationId xmlns:a16="http://schemas.microsoft.com/office/drawing/2014/main" id="{9D91964C-7780-6521-B8DD-6F6171296E81}"/>
+              </a:ext>
+            </a:extLst>
+          </p:cNvPr>
+          <p:cNvSpPr>
+            <a:spLocks noGrp="1"/>
+          </p:cNvSpPr>
+          <p:nvPr>
+            <p:ph idx="1"/>
+          </p:nvPr>
+        </p:nvSpPr>
+        <p:spPr>
+          <a:xfrm>
+            <a:off x="547864" y="1456974"/>
+            <a:ext cx="11453635" cy="4719988"/>
+          </a:xfrm>
+        </p:spPr>
+        <p:txBody>
+          <a:bodyPr>
+            <a:normAutofit/>
+          </a:bodyPr>
+          <a:lstStyle/>
+          <a:p>
+            <a:r>
+              <a:rPr lang="en-US" altLang="ko-KR" b="1" dirty="0"/>
+              <a:t>Semantic communications </a:t>
+            </a:r>
+            <a:r>
+              <a:rPr lang="en-US" altLang="ko-KR" dirty="0"/>
+              <a:t>is to extract the “meanings” or “features” of sent information from a source and “interpret” the semantic information at a destination.</a:t>
+            </a:r>
+          </a:p>
+        </p:txBody>
+      </p:sp>
+      <p:sp>
+        <p:nvSpPr>
+          <p:cNvPr id="3" name="Text Placeholder 2">
+            <a:extLst>
+              <a:ext uri="{FF2B5EF4-FFF2-40B4-BE49-F238E27FC236}">
+                <a16:creationId xmlns:a16="http://schemas.microsoft.com/office/drawing/2014/main" id="{4A765D14-CE4A-42CC-2AEC-5568A936394A}"/>
+              </a:ext>
+            </a:extLst>
+          </p:cNvPr>
+          <p:cNvSpPr>
+            <a:spLocks noGrp="1"/>
+          </p:cNvSpPr>
+          <p:nvPr>
+            <p:ph type="body" sz="quarter" idx="13"/>
+          </p:nvPr>
+        </p:nvSpPr>
+        <p:spPr>
+          <a:xfrm>
+            <a:off x="554460" y="653826"/>
+            <a:ext cx="10794130" cy="387798"/>
+          </a:xfrm>
+        </p:spPr>
+        <p:txBody>
+          <a:bodyPr/>
+          <a:lstStyle/>
+          <a:p>
+            <a:r>
+              <a:rPr lang="en-US" altLang="ko-KR" dirty="0"/>
+              <a:t>Introduction</a:t>
+            </a:r>
+            <a:endParaRPr lang="ko-KR" altLang="en-US" dirty="0"/>
+          </a:p>
+        </p:txBody>
+      </p:sp>
+      <p:sp>
+        <p:nvSpPr>
+          <p:cNvPr id="4" name="Slide Number Placeholder 3">
+            <a:extLst>
+              <a:ext uri="{FF2B5EF4-FFF2-40B4-BE49-F238E27FC236}">
+                <a16:creationId xmlns:a16="http://schemas.microsoft.com/office/drawing/2014/main" id="{984B5DC2-2CE0-8BB1-02E8-78E302BBF2E4}"/>
+              </a:ext>
+            </a:extLst>
+          </p:cNvPr>
+          <p:cNvSpPr>
+            <a:spLocks noGrp="1"/>
+          </p:cNvSpPr>
+          <p:nvPr>
+            <p:ph type="sldNum" sz="quarter" idx="10"/>
+          </p:nvPr>
+        </p:nvSpPr>
+        <p:spPr/>
+        <p:txBody>
+          <a:bodyPr/>
+          <a:lstStyle/>
+          <a:p>
+            <a:pPr marL="0" lvl="0" indent="0" algn="l" defTabSz="914400" rtl="0" eaLnBrk="1" latinLnBrk="1" hangingPunct="1">
+              <a:lnSpc>
+                <a:spcPct val="100000"/>
+              </a:lnSpc>
+              <a:spcBef>
+                <a:spcPct val="0"/>
+              </a:spcBef>
+              <a:spcAft>
+                <a:spcPts val="0"/>
+              </a:spcAft>
+              <a:buNone/>
+              <a:defRPr/>
+            </a:pPr>
+            <a:fld id="{B08FFF47-F7C8-4417-B66B-1876CACD7C6F}" type="slidenum">
+              <a:rPr kumimoji="0" lang="ko-KR" altLang="en-US" sz="1100" b="0" i="0" u="none" strike="noStrike" kern="1200" cap="none" spc="0" normalizeH="0" baseline="0" smtClean="0">
+                <a:solidFill>
+                  <a:srgbClr val="000000"/>
+                </a:solidFill>
+                <a:latin typeface="Segoe UI Semibold"/>
+                <a:ea typeface="맑은 고딕"/>
+                <a:cs typeface="Segoe UI Semibold"/>
+              </a:rPr>
+              <a:pPr marL="0" lvl="0" indent="0" algn="l" defTabSz="914400" rtl="0" eaLnBrk="1" latinLnBrk="1" hangingPunct="1">
+                <a:lnSpc>
+                  <a:spcPct val="100000"/>
+                </a:lnSpc>
+                <a:spcBef>
+                  <a:spcPct val="0"/>
+                </a:spcBef>
+                <a:spcAft>
+                  <a:spcPts val="0"/>
+                </a:spcAft>
+                <a:buNone/>
+                <a:defRPr/>
+              </a:pPr>
+              <a:t>4</a:t>
             </a:fld>
             <a:endParaRPr kumimoji="0" lang="ko-KR" altLang="en-US" sz="1100" b="0" i="0" u="none" strike="noStrike" kern="1200" cap="none" spc="0" normalizeH="0" baseline="0" dirty="0">
               <a:solidFill>
@@ -10775,7 +10591,7 @@
 </p:sld>
 </file>
 
-<file path=ppt/slides/slide4.xml><?xml version="1.0" encoding="utf-8"?>
+<file path=ppt/slides/slide5.xml><?xml version="1.0" encoding="utf-8"?>
 <p:sld xmlns:a="http://schemas.openxmlformats.org/drawingml/2006/main" xmlns:r="http://schemas.openxmlformats.org/officeDocument/2006/relationships" xmlns:p="http://schemas.openxmlformats.org/presentationml/2006/main">
   <p:cSld>
     <p:spTree>
@@ -10834,8 +10650,11 @@
           <a:p>
             <a:r>
               <a:rPr lang="en-US" altLang="ko-KR" dirty="0"/>
-              <a:t>Developed a transformer-based framework for channel-adaptive communication.</a:t>
-            </a:r>
+              <a:t>Developed transformer-based framework for channel-adaptive communication.</a:t>
+            </a:r>
+          </a:p>
+          <a:p>
+            <a:endParaRPr lang="en-US" altLang="ko-KR" dirty="0"/>
           </a:p>
         </p:txBody>
       </p:sp>
@@ -10929,7 +10748,7 @@
                 <a:buNone/>
                 <a:defRPr/>
               </a:pPr>
-              <a:t>4</a:t>
+              <a:t>5</a:t>
             </a:fld>
             <a:endParaRPr kumimoji="0" lang="ko-KR" altLang="en-US" sz="1100" b="0" i="0" u="none" strike="noStrike" kern="1200" cap="none" spc="0" normalizeH="0" baseline="0" dirty="0">
               <a:solidFill>
@@ -10986,7 +10805,7 @@
 </p:sld>
 </file>
 
-<file path=ppt/slides/slide5.xml><?xml version="1.0" encoding="utf-8"?>
+<file path=ppt/slides/slide6.xml><?xml version="1.0" encoding="utf-8"?>
 <p:sld xmlns:a="http://schemas.openxmlformats.org/drawingml/2006/main" xmlns:r="http://schemas.openxmlformats.org/officeDocument/2006/relationships" xmlns:p="http://schemas.openxmlformats.org/presentationml/2006/main">
   <p:cSld>
     <p:spTree>
@@ -11059,7 +10878,7 @@
                 <a:buNone/>
                 <a:defRPr/>
               </a:pPr>
-              <a:t>5</a:t>
+              <a:t>6</a:t>
             </a:fld>
             <a:endParaRPr kumimoji="0" lang="ko-KR" altLang="en-US" sz="1100" b="0" i="0" u="none" strike="noStrike" kern="1200" cap="none" spc="0" normalizeH="0" baseline="0" dirty="0">
               <a:solidFill>
@@ -11781,7 +11600,7 @@
 </p:sld>
 </file>
 
-<file path=ppt/slides/slide6.xml><?xml version="1.0" encoding="utf-8"?>
+<file path=ppt/slides/slide7.xml><?xml version="1.0" encoding="utf-8"?>
 <p:sld xmlns:a="http://schemas.openxmlformats.org/drawingml/2006/main" xmlns:r="http://schemas.openxmlformats.org/officeDocument/2006/relationships" xmlns:p="http://schemas.openxmlformats.org/presentationml/2006/main">
   <p:cSld>
     <p:spTree>
@@ -11882,7 +11701,7 @@
                 <a:buNone/>
                 <a:defRPr/>
               </a:pPr>
-              <a:t>6</a:t>
+              <a:t>7</a:t>
             </a:fld>
             <a:endParaRPr kumimoji="0" lang="ko-KR" altLang="en-US" sz="1100" b="0" i="0" u="none" strike="noStrike" kern="1200" cap="none" spc="0" normalizeH="0" baseline="0">
               <a:solidFill>
@@ -11909,7 +11728,7 @@
 </p:sld>
 </file>
 
-<file path=ppt/slides/slide7.xml><?xml version="1.0" encoding="utf-8"?>
+<file path=ppt/slides/slide8.xml><?xml version="1.0" encoding="utf-8"?>
 <p:sld xmlns:a="http://schemas.openxmlformats.org/drawingml/2006/main" xmlns:r="http://schemas.openxmlformats.org/officeDocument/2006/relationships" xmlns:p="http://schemas.openxmlformats.org/presentationml/2006/main">
   <p:cSld>
     <p:spTree>
@@ -12099,7 +11918,7 @@
                 <a:buNone/>
                 <a:defRPr/>
               </a:pPr>
-              <a:t>7</a:t>
+              <a:t>8</a:t>
             </a:fld>
             <a:endParaRPr kumimoji="0" lang="ko-KR" altLang="en-US" sz="1100" b="0" i="0" u="none" strike="noStrike" kern="1200" cap="none" spc="0" normalizeH="0" baseline="0" dirty="0">
               <a:solidFill>
@@ -12126,7 +11945,7 @@
 </p:sld>
 </file>
 
-<file path=ppt/slides/slide8.xml><?xml version="1.0" encoding="utf-8"?>
+<file path=ppt/slides/slide9.xml><?xml version="1.0" encoding="utf-8"?>
 <p:sld xmlns:a="http://schemas.openxmlformats.org/drawingml/2006/main" xmlns:r="http://schemas.openxmlformats.org/officeDocument/2006/relationships" xmlns:p="http://schemas.openxmlformats.org/presentationml/2006/main">
   <p:cSld>
     <p:spTree>
@@ -12277,7 +12096,7 @@
                 <a:buNone/>
                 <a:defRPr/>
               </a:pPr>
-              <a:t>8</a:t>
+              <a:t>9</a:t>
             </a:fld>
             <a:endParaRPr kumimoji="0" lang="ko-KR" altLang="en-US" sz="1100" b="0" i="0" u="none" strike="noStrike" kern="1200" cap="none" spc="0" normalizeH="0" baseline="0" dirty="0">
               <a:solidFill>
@@ -12341,153 +12160,6 @@
     <p:extLst>
       <p:ext uri="{BB962C8B-B14F-4D97-AF65-F5344CB8AC3E}">
         <p14:creationId xmlns:p14="http://schemas.microsoft.com/office/powerpoint/2010/main" val="2173729517"/>
-      </p:ext>
-    </p:extLst>
-  </p:cSld>
-  <p:clrMapOvr>
-    <a:masterClrMapping/>
-  </p:clrMapOvr>
-  <p:transition/>
-</p:sld>
-</file>
-
-<file path=ppt/slides/slide9.xml><?xml version="1.0" encoding="utf-8"?>
-<p:sld xmlns:a="http://schemas.openxmlformats.org/drawingml/2006/main" xmlns:r="http://schemas.openxmlformats.org/officeDocument/2006/relationships" xmlns:p="http://schemas.openxmlformats.org/presentationml/2006/main">
-  <p:cSld>
-    <p:spTree>
-      <p:nvGrpSpPr>
-        <p:cNvPr id="1" name=""/>
-        <p:cNvGrpSpPr/>
-        <p:nvPr/>
-      </p:nvGrpSpPr>
-      <p:grpSpPr>
-        <a:xfrm>
-          <a:off x="0" y="0"/>
-          <a:ext cx="0" cy="0"/>
-          <a:chOff x="0" y="0"/>
-          <a:chExt cx="0" cy="0"/>
-        </a:xfrm>
-      </p:grpSpPr>
-      <p:sp>
-        <p:nvSpPr>
-          <p:cNvPr id="3" name="Slide Number Placeholder 2">
-            <a:extLst>
-              <a:ext uri="{FF2B5EF4-FFF2-40B4-BE49-F238E27FC236}">
-                <a16:creationId xmlns:a16="http://schemas.microsoft.com/office/drawing/2014/main" id="{0F9CDA00-1D9F-08A1-42F0-B3A91D6AD08C}"/>
-              </a:ext>
-            </a:extLst>
-          </p:cNvPr>
-          <p:cNvSpPr>
-            <a:spLocks noGrp="1"/>
-          </p:cNvSpPr>
-          <p:nvPr>
-            <p:ph type="sldNum" sz="quarter" idx="10"/>
-          </p:nvPr>
-        </p:nvSpPr>
-        <p:spPr/>
-        <p:txBody>
-          <a:bodyPr/>
-          <a:lstStyle/>
-          <a:p>
-            <a:pPr marL="0" lvl="0" indent="0" algn="l" defTabSz="914400" rtl="0" eaLnBrk="1" latinLnBrk="1" hangingPunct="1">
-              <a:lnSpc>
-                <a:spcPct val="100000"/>
-              </a:lnSpc>
-              <a:spcBef>
-                <a:spcPct val="0"/>
-              </a:spcBef>
-              <a:spcAft>
-                <a:spcPts val="0"/>
-              </a:spcAft>
-              <a:buNone/>
-              <a:defRPr/>
-            </a:pPr>
-            <a:fld id="{B08FFF47-F7C8-4417-B66B-1876CACD7C6F}" type="slidenum">
-              <a:rPr kumimoji="0" lang="ko-KR" altLang="en-US" sz="1100" b="0" i="0" u="none" strike="noStrike" kern="1200" cap="none" spc="0" normalizeH="0" baseline="0" smtClean="0">
-                <a:solidFill>
-                  <a:srgbClr val="000000"/>
-                </a:solidFill>
-                <a:latin typeface="Segoe UI Semibold"/>
-                <a:ea typeface="맑은 고딕"/>
-                <a:cs typeface="Segoe UI Semibold"/>
-              </a:rPr>
-              <a:pPr marL="0" lvl="0" indent="0" algn="l" defTabSz="914400" rtl="0" eaLnBrk="1" latinLnBrk="1" hangingPunct="1">
-                <a:lnSpc>
-                  <a:spcPct val="100000"/>
-                </a:lnSpc>
-                <a:spcBef>
-                  <a:spcPct val="0"/>
-                </a:spcBef>
-                <a:spcAft>
-                  <a:spcPts val="0"/>
-                </a:spcAft>
-                <a:buNone/>
-                <a:defRPr/>
-              </a:pPr>
-              <a:t>9</a:t>
-            </a:fld>
-            <a:endParaRPr kumimoji="0" lang="ko-KR" altLang="en-US" sz="1100" b="0" i="0" u="none" strike="noStrike" kern="1200" cap="none" spc="0" normalizeH="0" baseline="0">
-              <a:solidFill>
-                <a:srgbClr val="000000"/>
-              </a:solidFill>
-              <a:latin typeface="Segoe UI Semibold"/>
-              <a:ea typeface="맑은 고딕"/>
-              <a:cs typeface="Segoe UI Semibold"/>
-            </a:endParaRPr>
-          </a:p>
-        </p:txBody>
-      </p:sp>
-      <p:pic>
-        <p:nvPicPr>
-          <p:cNvPr id="2050" name="Picture 2">
-            <a:extLst>
-              <a:ext uri="{FF2B5EF4-FFF2-40B4-BE49-F238E27FC236}">
-                <a16:creationId xmlns:a16="http://schemas.microsoft.com/office/drawing/2014/main" id="{C554F175-4124-DAAC-7246-C518132CB286}"/>
-              </a:ext>
-            </a:extLst>
-          </p:cNvPr>
-          <p:cNvPicPr>
-            <a:picLocks noChangeAspect="1" noChangeArrowheads="1"/>
-          </p:cNvPicPr>
-          <p:nvPr/>
-        </p:nvPicPr>
-        <p:blipFill>
-          <a:blip r:embed="rId3">
-            <a:extLst>
-              <a:ext uri="{28A0092B-C50C-407E-A947-70E740481C1C}">
-                <a14:useLocalDpi xmlns:a14="http://schemas.microsoft.com/office/drawing/2010/main" val="0"/>
-              </a:ext>
-            </a:extLst>
-          </a:blip>
-          <a:srcRect/>
-          <a:stretch>
-            <a:fillRect/>
-          </a:stretch>
-        </p:blipFill>
-        <p:spPr bwMode="auto">
-          <a:xfrm>
-            <a:off x="468351" y="204879"/>
-            <a:ext cx="11217274" cy="6373619"/>
-          </a:xfrm>
-          <a:prstGeom prst="rect">
-            <a:avLst/>
-          </a:prstGeom>
-          <a:noFill/>
-          <a:extLst>
-            <a:ext uri="{909E8E84-426E-40DD-AFC4-6F175D3DCCD1}">
-              <a14:hiddenFill xmlns:a14="http://schemas.microsoft.com/office/drawing/2010/main">
-                <a:solidFill>
-                  <a:srgbClr val="FFFFFF"/>
-                </a:solidFill>
-              </a14:hiddenFill>
-            </a:ext>
-          </a:extLst>
-        </p:spPr>
-      </p:pic>
-    </p:spTree>
-    <p:extLst>
-      <p:ext uri="{BB962C8B-B14F-4D97-AF65-F5344CB8AC3E}">
-        <p14:creationId xmlns:p14="http://schemas.microsoft.com/office/powerpoint/2010/main" val="1739996657"/>
       </p:ext>
     </p:extLst>
   </p:cSld>
